--- a/Session 3/Pres3.pptx
+++ b/Session 3/Pres3.pptx
@@ -2591,70 +2591,6 @@
     <dgm:pt modelId="{81DF42E9-BF5D-5047-8569-6D424261EFD8}" type="pres">
       <dgm:prSet presAssocID="{8838C3C2-63B8-0B4C-B071-CFD21D0FDF24}" presName="Name28" presStyleLbl="parChTrans1D3" presStyleIdx="0" presStyleCnt="6"/>
       <dgm:spPr/>
-    </dgm:pt>
-    <dgm:pt modelId="{4A38F535-6B64-544C-925C-FD1AFB3A260D}" type="pres">
-      <dgm:prSet presAssocID="{ED996D38-8E47-D344-A150-BB9209D5A08F}" presName="hierRoot2" presStyleCnt="0">
-        <dgm:presLayoutVars>
-          <dgm:hierBranch val="init"/>
-        </dgm:presLayoutVars>
-      </dgm:prSet>
-      <dgm:spPr/>
-    </dgm:pt>
-    <dgm:pt modelId="{C6FD6BB9-7221-BB4C-BF45-1270436D5B56}" type="pres">
-      <dgm:prSet presAssocID="{ED996D38-8E47-D344-A150-BB9209D5A08F}" presName="rootComposite2" presStyleCnt="0"/>
-      <dgm:spPr/>
-    </dgm:pt>
-    <dgm:pt modelId="{12A45CE9-0035-4E49-893E-D63B8FBAE75D}" type="pres">
-      <dgm:prSet presAssocID="{ED996D38-8E47-D344-A150-BB9209D5A08F}" presName="rootText2" presStyleLbl="alignAcc1" presStyleIdx="0" presStyleCnt="0">
-        <dgm:presLayoutVars>
-          <dgm:chPref val="3"/>
-        </dgm:presLayoutVars>
-      </dgm:prSet>
-      <dgm:spPr/>
-    </dgm:pt>
-    <dgm:pt modelId="{4464C611-5A5B-0F45-A343-2A9B19FB3DB1}" type="pres">
-      <dgm:prSet presAssocID="{ED996D38-8E47-D344-A150-BB9209D5A08F}" presName="topArc2" presStyleLbl="parChTrans1D1" presStyleIdx="8" presStyleCnt="26"/>
-      <dgm:spPr/>
-    </dgm:pt>
-    <dgm:pt modelId="{F5838659-6BCF-DC48-88E9-F9C2B9A23CD2}" type="pres">
-      <dgm:prSet presAssocID="{ED996D38-8E47-D344-A150-BB9209D5A08F}" presName="bottomArc2" presStyleLbl="parChTrans1D1" presStyleIdx="9" presStyleCnt="26"/>
-      <dgm:spPr/>
-    </dgm:pt>
-    <dgm:pt modelId="{3380511E-6487-294A-909F-EEE6058C7739}" type="pres">
-      <dgm:prSet presAssocID="{ED996D38-8E47-D344-A150-BB9209D5A08F}" presName="topConnNode2" presStyleLbl="node3" presStyleIdx="0" presStyleCnt="0"/>
-      <dgm:spPr/>
-    </dgm:pt>
-    <dgm:pt modelId="{ABF52965-56ED-9746-BAB9-D2CD34C66658}" type="pres">
-      <dgm:prSet presAssocID="{ED996D38-8E47-D344-A150-BB9209D5A08F}" presName="hierChild4" presStyleCnt="0"/>
-      <dgm:spPr/>
-    </dgm:pt>
-    <dgm:pt modelId="{BD310D45-A431-C44E-9BB7-9988E7504D15}" type="pres">
-      <dgm:prSet presAssocID="{ED996D38-8E47-D344-A150-BB9209D5A08F}" presName="hierChild5" presStyleCnt="0"/>
-      <dgm:spPr/>
-    </dgm:pt>
-    <dgm:pt modelId="{6B529003-4E48-594A-B390-9802787A22E0}" type="pres">
-      <dgm:prSet presAssocID="{CEC2D8EB-C9D3-504D-893B-82514175BC1C}" presName="Name28" presStyleLbl="parChTrans1D3" presStyleIdx="1" presStyleCnt="6"/>
-      <dgm:spPr/>
-    </dgm:pt>
-    <dgm:pt modelId="{D9ABEE8D-1C67-1E41-96D6-3735AA882E78}" type="pres">
-      <dgm:prSet presAssocID="{CF15C764-86CF-954A-B792-E100C895B104}" presName="hierRoot2" presStyleCnt="0">
-        <dgm:presLayoutVars>
-          <dgm:hierBranch val="init"/>
-        </dgm:presLayoutVars>
-      </dgm:prSet>
-      <dgm:spPr/>
-    </dgm:pt>
-    <dgm:pt modelId="{FFF439C9-902E-C44E-9EE0-4C66D2489851}" type="pres">
-      <dgm:prSet presAssocID="{CF15C764-86CF-954A-B792-E100C895B104}" presName="rootComposite2" presStyleCnt="0"/>
-      <dgm:spPr/>
-    </dgm:pt>
-    <dgm:pt modelId="{4F9C6826-99D1-3C42-B298-9F8F09731B03}" type="pres">
-      <dgm:prSet presAssocID="{CF15C764-86CF-954A-B792-E100C895B104}" presName="rootText2" presStyleLbl="alignAcc1" presStyleIdx="0" presStyleCnt="0">
-        <dgm:presLayoutVars>
-          <dgm:chPref val="3"/>
-        </dgm:presLayoutVars>
-      </dgm:prSet>
-      <dgm:spPr/>
       <dgm:t>
         <a:bodyPr/>
         <a:lstStyle/>
@@ -2663,44 +2599,20 @@
         </a:p>
       </dgm:t>
     </dgm:pt>
-    <dgm:pt modelId="{BB9F18BD-013A-CF47-8DE3-1D04E3DC145C}" type="pres">
-      <dgm:prSet presAssocID="{CF15C764-86CF-954A-B792-E100C895B104}" presName="topArc2" presStyleLbl="parChTrans1D1" presStyleIdx="10" presStyleCnt="26"/>
-      <dgm:spPr/>
-    </dgm:pt>
-    <dgm:pt modelId="{BF28529C-2BFA-CA43-912F-FE7C0AEB620A}" type="pres">
-      <dgm:prSet presAssocID="{CF15C764-86CF-954A-B792-E100C895B104}" presName="bottomArc2" presStyleLbl="parChTrans1D1" presStyleIdx="11" presStyleCnt="26"/>
-      <dgm:spPr/>
-    </dgm:pt>
-    <dgm:pt modelId="{2365D8DB-A15E-CD42-812C-2AC21D20034B}" type="pres">
-      <dgm:prSet presAssocID="{CF15C764-86CF-954A-B792-E100C895B104}" presName="topConnNode2" presStyleLbl="node3" presStyleIdx="0" presStyleCnt="0"/>
-      <dgm:spPr/>
-    </dgm:pt>
-    <dgm:pt modelId="{5794F595-4A99-DF49-AE2D-DD6D448F2D85}" type="pres">
-      <dgm:prSet presAssocID="{CF15C764-86CF-954A-B792-E100C895B104}" presName="hierChild4" presStyleCnt="0"/>
-      <dgm:spPr/>
-    </dgm:pt>
-    <dgm:pt modelId="{44E990F6-22D4-D24D-87D3-CEB909FC5C01}" type="pres">
-      <dgm:prSet presAssocID="{CF15C764-86CF-954A-B792-E100C895B104}" presName="hierChild5" presStyleCnt="0"/>
-      <dgm:spPr/>
-    </dgm:pt>
-    <dgm:pt modelId="{EB5E039B-C152-5B47-B5D3-2839E9BD3027}" type="pres">
-      <dgm:prSet presAssocID="{8F1547D2-8721-8E48-AB2A-ACB9E02FA8F9}" presName="Name28" presStyleLbl="parChTrans1D3" presStyleIdx="2" presStyleCnt="6"/>
-      <dgm:spPr/>
-    </dgm:pt>
-    <dgm:pt modelId="{52083039-19D4-0044-858A-6906254BA1B4}" type="pres">
-      <dgm:prSet presAssocID="{8DD8BA07-1EFD-004F-8F5D-9080D24ED6A4}" presName="hierRoot2" presStyleCnt="0">
+    <dgm:pt modelId="{4A38F535-6B64-544C-925C-FD1AFB3A260D}" type="pres">
+      <dgm:prSet presAssocID="{ED996D38-8E47-D344-A150-BB9209D5A08F}" presName="hierRoot2" presStyleCnt="0">
         <dgm:presLayoutVars>
           <dgm:hierBranch val="init"/>
         </dgm:presLayoutVars>
       </dgm:prSet>
       <dgm:spPr/>
     </dgm:pt>
-    <dgm:pt modelId="{CCF8959A-96D6-9E48-AB7E-0BD58207BA53}" type="pres">
-      <dgm:prSet presAssocID="{8DD8BA07-1EFD-004F-8F5D-9080D24ED6A4}" presName="rootComposite2" presStyleCnt="0"/>
-      <dgm:spPr/>
-    </dgm:pt>
-    <dgm:pt modelId="{EA6D8479-9BF2-8F4B-9A4C-EC8AFC0EC05C}" type="pres">
-      <dgm:prSet presAssocID="{8DD8BA07-1EFD-004F-8F5D-9080D24ED6A4}" presName="rootText2" presStyleLbl="alignAcc1" presStyleIdx="0" presStyleCnt="0">
+    <dgm:pt modelId="{C6FD6BB9-7221-BB4C-BF45-1270436D5B56}" type="pres">
+      <dgm:prSet presAssocID="{ED996D38-8E47-D344-A150-BB9209D5A08F}" presName="rootComposite2" presStyleCnt="0"/>
+      <dgm:spPr/>
+    </dgm:pt>
+    <dgm:pt modelId="{12A45CE9-0035-4E49-893E-D63B8FBAE75D}" type="pres">
+      <dgm:prSet presAssocID="{ED996D38-8E47-D344-A150-BB9209D5A08F}" presName="rootText2" presStyleLbl="alignAcc1" presStyleIdx="0" presStyleCnt="0">
         <dgm:presLayoutVars>
           <dgm:chPref val="3"/>
         </dgm:presLayoutVars>
@@ -2714,28 +2626,16 @@
         </a:p>
       </dgm:t>
     </dgm:pt>
-    <dgm:pt modelId="{8466827D-5336-AF4A-A97C-B052C693D260}" type="pres">
-      <dgm:prSet presAssocID="{8DD8BA07-1EFD-004F-8F5D-9080D24ED6A4}" presName="topArc2" presStyleLbl="parChTrans1D1" presStyleIdx="12" presStyleCnt="26"/>
-      <dgm:spPr/>
-    </dgm:pt>
-    <dgm:pt modelId="{FC73A291-97EE-0943-90A0-E8A4644469B9}" type="pres">
-      <dgm:prSet presAssocID="{8DD8BA07-1EFD-004F-8F5D-9080D24ED6A4}" presName="bottomArc2" presStyleLbl="parChTrans1D1" presStyleIdx="13" presStyleCnt="26"/>
-      <dgm:spPr/>
-    </dgm:pt>
-    <dgm:pt modelId="{BC97AF87-CE5F-9A43-B4D8-C1D2149CFE0B}" type="pres">
-      <dgm:prSet presAssocID="{8DD8BA07-1EFD-004F-8F5D-9080D24ED6A4}" presName="topConnNode2" presStyleLbl="node3" presStyleIdx="0" presStyleCnt="0"/>
-      <dgm:spPr/>
-    </dgm:pt>
-    <dgm:pt modelId="{754BA9E6-571B-5E4F-BE3E-B5BA1CEFE925}" type="pres">
-      <dgm:prSet presAssocID="{8DD8BA07-1EFD-004F-8F5D-9080D24ED6A4}" presName="hierChild4" presStyleCnt="0"/>
-      <dgm:spPr/>
-    </dgm:pt>
-    <dgm:pt modelId="{686669F5-24E2-9443-890F-854BBD44937F}" type="pres">
-      <dgm:prSet presAssocID="{8DD8BA07-1EFD-004F-8F5D-9080D24ED6A4}" presName="hierChild5" presStyleCnt="0"/>
-      <dgm:spPr/>
-    </dgm:pt>
-    <dgm:pt modelId="{745E35EC-9A14-2B4F-BDB4-0F14774C7802}" type="pres">
-      <dgm:prSet presAssocID="{80BEE18D-0BF3-0249-A813-1A88B595367E}" presName="hierChild5" presStyleCnt="0"/>
+    <dgm:pt modelId="{4464C611-5A5B-0F45-A343-2A9B19FB3DB1}" type="pres">
+      <dgm:prSet presAssocID="{ED996D38-8E47-D344-A150-BB9209D5A08F}" presName="topArc2" presStyleLbl="parChTrans1D1" presStyleIdx="8" presStyleCnt="26"/>
+      <dgm:spPr/>
+    </dgm:pt>
+    <dgm:pt modelId="{F5838659-6BCF-DC48-88E9-F9C2B9A23CD2}" type="pres">
+      <dgm:prSet presAssocID="{ED996D38-8E47-D344-A150-BB9209D5A08F}" presName="bottomArc2" presStyleLbl="parChTrans1D1" presStyleIdx="9" presStyleCnt="26"/>
+      <dgm:spPr/>
+    </dgm:pt>
+    <dgm:pt modelId="{3380511E-6487-294A-909F-EEE6058C7739}" type="pres">
+      <dgm:prSet presAssocID="{ED996D38-8E47-D344-A150-BB9209D5A08F}" presName="topConnNode2" presStyleLbl="node3" presStyleIdx="0" presStyleCnt="0"/>
       <dgm:spPr/>
       <dgm:t>
         <a:bodyPr/>
@@ -2745,8 +2645,16 @@
         </a:p>
       </dgm:t>
     </dgm:pt>
-    <dgm:pt modelId="{BDA3D683-1EC3-C642-8FC5-5446DC703ADC}" type="pres">
-      <dgm:prSet presAssocID="{980FE5C4-6DF4-444A-9392-7BFAD10776C2}" presName="Name28" presStyleLbl="parChTrans1D2" presStyleIdx="3" presStyleCnt="6"/>
+    <dgm:pt modelId="{ABF52965-56ED-9746-BAB9-D2CD34C66658}" type="pres">
+      <dgm:prSet presAssocID="{ED996D38-8E47-D344-A150-BB9209D5A08F}" presName="hierChild4" presStyleCnt="0"/>
+      <dgm:spPr/>
+    </dgm:pt>
+    <dgm:pt modelId="{BD310D45-A431-C44E-9BB7-9988E7504D15}" type="pres">
+      <dgm:prSet presAssocID="{ED996D38-8E47-D344-A150-BB9209D5A08F}" presName="hierChild5" presStyleCnt="0"/>
+      <dgm:spPr/>
+    </dgm:pt>
+    <dgm:pt modelId="{6B529003-4E48-594A-B390-9802787A22E0}" type="pres">
+      <dgm:prSet presAssocID="{CEC2D8EB-C9D3-504D-893B-82514175BC1C}" presName="Name28" presStyleLbl="parChTrans1D3" presStyleIdx="1" presStyleCnt="6"/>
       <dgm:spPr/>
       <dgm:t>
         <a:bodyPr/>
@@ -2756,10 +2664,22 @@
         </a:p>
       </dgm:t>
     </dgm:pt>
-    <dgm:pt modelId="{0ADDB265-7717-5C48-8052-F3E8E67C9343}" type="pres">
-      <dgm:prSet presAssocID="{DAF95531-31E0-4F46-AFD8-FD7391AA329E}" presName="hierRoot2" presStyleCnt="0">
+    <dgm:pt modelId="{D9ABEE8D-1C67-1E41-96D6-3735AA882E78}" type="pres">
+      <dgm:prSet presAssocID="{CF15C764-86CF-954A-B792-E100C895B104}" presName="hierRoot2" presStyleCnt="0">
         <dgm:presLayoutVars>
           <dgm:hierBranch val="init"/>
+        </dgm:presLayoutVars>
+      </dgm:prSet>
+      <dgm:spPr/>
+    </dgm:pt>
+    <dgm:pt modelId="{FFF439C9-902E-C44E-9EE0-4C66D2489851}" type="pres">
+      <dgm:prSet presAssocID="{CF15C764-86CF-954A-B792-E100C895B104}" presName="rootComposite2" presStyleCnt="0"/>
+      <dgm:spPr/>
+    </dgm:pt>
+    <dgm:pt modelId="{4F9C6826-99D1-3C42-B298-9F8F09731B03}" type="pres">
+      <dgm:prSet presAssocID="{CF15C764-86CF-954A-B792-E100C895B104}" presName="rootText2" presStyleLbl="alignAcc1" presStyleIdx="0" presStyleCnt="0">
+        <dgm:presLayoutVars>
+          <dgm:chPref val="3"/>
         </dgm:presLayoutVars>
       </dgm:prSet>
       <dgm:spPr/>
@@ -2771,8 +2691,16 @@
         </a:p>
       </dgm:t>
     </dgm:pt>
-    <dgm:pt modelId="{B73A55DD-1172-074E-BB8B-515AECF7E20A}" type="pres">
-      <dgm:prSet presAssocID="{DAF95531-31E0-4F46-AFD8-FD7391AA329E}" presName="rootComposite2" presStyleCnt="0"/>
+    <dgm:pt modelId="{BB9F18BD-013A-CF47-8DE3-1D04E3DC145C}" type="pres">
+      <dgm:prSet presAssocID="{CF15C764-86CF-954A-B792-E100C895B104}" presName="topArc2" presStyleLbl="parChTrans1D1" presStyleIdx="10" presStyleCnt="26"/>
+      <dgm:spPr/>
+    </dgm:pt>
+    <dgm:pt modelId="{BF28529C-2BFA-CA43-912F-FE7C0AEB620A}" type="pres">
+      <dgm:prSet presAssocID="{CF15C764-86CF-954A-B792-E100C895B104}" presName="bottomArc2" presStyleLbl="parChTrans1D1" presStyleIdx="11" presStyleCnt="26"/>
+      <dgm:spPr/>
+    </dgm:pt>
+    <dgm:pt modelId="{2365D8DB-A15E-CD42-812C-2AC21D20034B}" type="pres">
+      <dgm:prSet presAssocID="{CF15C764-86CF-954A-B792-E100C895B104}" presName="topConnNode2" presStyleLbl="node3" presStyleIdx="0" presStyleCnt="0"/>
       <dgm:spPr/>
       <dgm:t>
         <a:bodyPr/>
@@ -2782,12 +2710,16 @@
         </a:p>
       </dgm:t>
     </dgm:pt>
-    <dgm:pt modelId="{364A671A-4760-884C-B6BA-7920D22C39CC}" type="pres">
-      <dgm:prSet presAssocID="{DAF95531-31E0-4F46-AFD8-FD7391AA329E}" presName="rootText2" presStyleLbl="alignAcc1" presStyleIdx="0" presStyleCnt="0">
-        <dgm:presLayoutVars>
-          <dgm:chPref val="3"/>
-        </dgm:presLayoutVars>
-      </dgm:prSet>
+    <dgm:pt modelId="{5794F595-4A99-DF49-AE2D-DD6D448F2D85}" type="pres">
+      <dgm:prSet presAssocID="{CF15C764-86CF-954A-B792-E100C895B104}" presName="hierChild4" presStyleCnt="0"/>
+      <dgm:spPr/>
+    </dgm:pt>
+    <dgm:pt modelId="{44E990F6-22D4-D24D-87D3-CEB909FC5C01}" type="pres">
+      <dgm:prSet presAssocID="{CF15C764-86CF-954A-B792-E100C895B104}" presName="hierChild5" presStyleCnt="0"/>
+      <dgm:spPr/>
+    </dgm:pt>
+    <dgm:pt modelId="{EB5E039B-C152-5B47-B5D3-2839E9BD3027}" type="pres">
+      <dgm:prSet presAssocID="{8F1547D2-8721-8E48-AB2A-ACB9E02FA8F9}" presName="Name28" presStyleLbl="parChTrans1D3" presStyleIdx="2" presStyleCnt="6"/>
       <dgm:spPr/>
       <dgm:t>
         <a:bodyPr/>
@@ -2797,8 +2729,24 @@
         </a:p>
       </dgm:t>
     </dgm:pt>
-    <dgm:pt modelId="{3EB7FF13-B64D-544D-839F-C5E2D2B34240}" type="pres">
-      <dgm:prSet presAssocID="{DAF95531-31E0-4F46-AFD8-FD7391AA329E}" presName="topArc2" presStyleLbl="parChTrans1D1" presStyleIdx="14" presStyleCnt="26"/>
+    <dgm:pt modelId="{52083039-19D4-0044-858A-6906254BA1B4}" type="pres">
+      <dgm:prSet presAssocID="{8DD8BA07-1EFD-004F-8F5D-9080D24ED6A4}" presName="hierRoot2" presStyleCnt="0">
+        <dgm:presLayoutVars>
+          <dgm:hierBranch val="init"/>
+        </dgm:presLayoutVars>
+      </dgm:prSet>
+      <dgm:spPr/>
+    </dgm:pt>
+    <dgm:pt modelId="{CCF8959A-96D6-9E48-AB7E-0BD58207BA53}" type="pres">
+      <dgm:prSet presAssocID="{8DD8BA07-1EFD-004F-8F5D-9080D24ED6A4}" presName="rootComposite2" presStyleCnt="0"/>
+      <dgm:spPr/>
+    </dgm:pt>
+    <dgm:pt modelId="{EA6D8479-9BF2-8F4B-9A4C-EC8AFC0EC05C}" type="pres">
+      <dgm:prSet presAssocID="{8DD8BA07-1EFD-004F-8F5D-9080D24ED6A4}" presName="rootText2" presStyleLbl="alignAcc1" presStyleIdx="0" presStyleCnt="0">
+        <dgm:presLayoutVars>
+          <dgm:chPref val="3"/>
+        </dgm:presLayoutVars>
+      </dgm:prSet>
       <dgm:spPr/>
       <dgm:t>
         <a:bodyPr/>
@@ -2808,8 +2756,16 @@
         </a:p>
       </dgm:t>
     </dgm:pt>
-    <dgm:pt modelId="{3F41BC9D-E17E-4246-9EDC-701DE2734FC5}" type="pres">
-      <dgm:prSet presAssocID="{DAF95531-31E0-4F46-AFD8-FD7391AA329E}" presName="bottomArc2" presStyleLbl="parChTrans1D1" presStyleIdx="15" presStyleCnt="26"/>
+    <dgm:pt modelId="{8466827D-5336-AF4A-A97C-B052C693D260}" type="pres">
+      <dgm:prSet presAssocID="{8DD8BA07-1EFD-004F-8F5D-9080D24ED6A4}" presName="topArc2" presStyleLbl="parChTrans1D1" presStyleIdx="12" presStyleCnt="26"/>
+      <dgm:spPr/>
+    </dgm:pt>
+    <dgm:pt modelId="{FC73A291-97EE-0943-90A0-E8A4644469B9}" type="pres">
+      <dgm:prSet presAssocID="{8DD8BA07-1EFD-004F-8F5D-9080D24ED6A4}" presName="bottomArc2" presStyleLbl="parChTrans1D1" presStyleIdx="13" presStyleCnt="26"/>
+      <dgm:spPr/>
+    </dgm:pt>
+    <dgm:pt modelId="{BC97AF87-CE5F-9A43-B4D8-C1D2149CFE0B}" type="pres">
+      <dgm:prSet presAssocID="{8DD8BA07-1EFD-004F-8F5D-9080D24ED6A4}" presName="topConnNode2" presStyleLbl="node3" presStyleIdx="0" presStyleCnt="0"/>
       <dgm:spPr/>
       <dgm:t>
         <a:bodyPr/>
@@ -2819,8 +2775,16 @@
         </a:p>
       </dgm:t>
     </dgm:pt>
-    <dgm:pt modelId="{86E80B09-5A9A-F24C-B32B-40144D117754}" type="pres">
-      <dgm:prSet presAssocID="{DAF95531-31E0-4F46-AFD8-FD7391AA329E}" presName="topConnNode2" presStyleLbl="node2" presStyleIdx="0" presStyleCnt="0"/>
+    <dgm:pt modelId="{754BA9E6-571B-5E4F-BE3E-B5BA1CEFE925}" type="pres">
+      <dgm:prSet presAssocID="{8DD8BA07-1EFD-004F-8F5D-9080D24ED6A4}" presName="hierChild4" presStyleCnt="0"/>
+      <dgm:spPr/>
+    </dgm:pt>
+    <dgm:pt modelId="{686669F5-24E2-9443-890F-854BBD44937F}" type="pres">
+      <dgm:prSet presAssocID="{8DD8BA07-1EFD-004F-8F5D-9080D24ED6A4}" presName="hierChild5" presStyleCnt="0"/>
+      <dgm:spPr/>
+    </dgm:pt>
+    <dgm:pt modelId="{745E35EC-9A14-2B4F-BDB4-0F14774C7802}" type="pres">
+      <dgm:prSet presAssocID="{80BEE18D-0BF3-0249-A813-1A88B595367E}" presName="hierChild5" presStyleCnt="0"/>
       <dgm:spPr/>
       <dgm:t>
         <a:bodyPr/>
@@ -2830,8 +2794,8 @@
         </a:p>
       </dgm:t>
     </dgm:pt>
-    <dgm:pt modelId="{07D18399-52D1-454D-86CC-4FC5E852ACA8}" type="pres">
-      <dgm:prSet presAssocID="{DAF95531-31E0-4F46-AFD8-FD7391AA329E}" presName="hierChild4" presStyleCnt="0"/>
+    <dgm:pt modelId="{BDA3D683-1EC3-C642-8FC5-5446DC703ADC}" type="pres">
+      <dgm:prSet presAssocID="{980FE5C4-6DF4-444A-9392-7BFAD10776C2}" presName="Name28" presStyleLbl="parChTrans1D2" presStyleIdx="3" presStyleCnt="6"/>
       <dgm:spPr/>
       <dgm:t>
         <a:bodyPr/>
@@ -2841,26 +2805,10 @@
         </a:p>
       </dgm:t>
     </dgm:pt>
-    <dgm:pt modelId="{E8E5FCBD-0EA2-AE44-B768-F4340BB0BDFD}" type="pres">
-      <dgm:prSet presAssocID="{B072A879-7CFE-7C42-BAA6-2BD5A155CDEB}" presName="Name28" presStyleLbl="parChTrans1D3" presStyleIdx="3" presStyleCnt="6"/>
-      <dgm:spPr/>
-    </dgm:pt>
-    <dgm:pt modelId="{4D57650B-F422-6648-8F73-AA497A3BF172}" type="pres">
-      <dgm:prSet presAssocID="{980970A1-2E4A-314A-8A47-7E72F6016C6C}" presName="hierRoot2" presStyleCnt="0">
+    <dgm:pt modelId="{0ADDB265-7717-5C48-8052-F3E8E67C9343}" type="pres">
+      <dgm:prSet presAssocID="{DAF95531-31E0-4F46-AFD8-FD7391AA329E}" presName="hierRoot2" presStyleCnt="0">
         <dgm:presLayoutVars>
           <dgm:hierBranch val="init"/>
-        </dgm:presLayoutVars>
-      </dgm:prSet>
-      <dgm:spPr/>
-    </dgm:pt>
-    <dgm:pt modelId="{55A6F51B-AC33-754D-A45F-90EC58E2206B}" type="pres">
-      <dgm:prSet presAssocID="{980970A1-2E4A-314A-8A47-7E72F6016C6C}" presName="rootComposite2" presStyleCnt="0"/>
-      <dgm:spPr/>
-    </dgm:pt>
-    <dgm:pt modelId="{373E168B-AF28-CA49-B619-D5964FD0FBF9}" type="pres">
-      <dgm:prSet presAssocID="{980970A1-2E4A-314A-8A47-7E72F6016C6C}" presName="rootText2" presStyleLbl="alignAcc1" presStyleIdx="0" presStyleCnt="0">
-        <dgm:presLayoutVars>
-          <dgm:chPref val="3"/>
         </dgm:presLayoutVars>
       </dgm:prSet>
       <dgm:spPr/>
@@ -2872,16 +2820,8 @@
         </a:p>
       </dgm:t>
     </dgm:pt>
-    <dgm:pt modelId="{CD71326A-2691-094C-BCE0-46721729C2A4}" type="pres">
-      <dgm:prSet presAssocID="{980970A1-2E4A-314A-8A47-7E72F6016C6C}" presName="topArc2" presStyleLbl="parChTrans1D1" presStyleIdx="16" presStyleCnt="26"/>
-      <dgm:spPr/>
-    </dgm:pt>
-    <dgm:pt modelId="{FA3F9D15-A4F9-6646-848A-9FD9FC7B0E24}" type="pres">
-      <dgm:prSet presAssocID="{980970A1-2E4A-314A-8A47-7E72F6016C6C}" presName="bottomArc2" presStyleLbl="parChTrans1D1" presStyleIdx="17" presStyleCnt="26"/>
-      <dgm:spPr/>
-    </dgm:pt>
-    <dgm:pt modelId="{43740663-79E2-E641-8936-62797E850819}" type="pres">
-      <dgm:prSet presAssocID="{980970A1-2E4A-314A-8A47-7E72F6016C6C}" presName="topConnNode2" presStyleLbl="node3" presStyleIdx="0" presStyleCnt="0"/>
+    <dgm:pt modelId="{B73A55DD-1172-074E-BB8B-515AECF7E20A}" type="pres">
+      <dgm:prSet presAssocID="{DAF95531-31E0-4F46-AFD8-FD7391AA329E}" presName="rootComposite2" presStyleCnt="0"/>
       <dgm:spPr/>
       <dgm:t>
         <a:bodyPr/>
@@ -2891,32 +2831,8 @@
         </a:p>
       </dgm:t>
     </dgm:pt>
-    <dgm:pt modelId="{1BB58D03-2EB1-CD48-A343-1EF7F6577F6B}" type="pres">
-      <dgm:prSet presAssocID="{980970A1-2E4A-314A-8A47-7E72F6016C6C}" presName="hierChild4" presStyleCnt="0"/>
-      <dgm:spPr/>
-    </dgm:pt>
-    <dgm:pt modelId="{2DD1627D-A942-D64D-9163-5875FE131345}" type="pres">
-      <dgm:prSet presAssocID="{980970A1-2E4A-314A-8A47-7E72F6016C6C}" presName="hierChild5" presStyleCnt="0"/>
-      <dgm:spPr/>
-    </dgm:pt>
-    <dgm:pt modelId="{4EA206C2-85AA-374E-A8DF-274974CB02D4}" type="pres">
-      <dgm:prSet presAssocID="{6D6E80E8-97B2-9B4A-8D62-5D9D47B3C032}" presName="Name28" presStyleLbl="parChTrans1D3" presStyleIdx="4" presStyleCnt="6"/>
-      <dgm:spPr/>
-    </dgm:pt>
-    <dgm:pt modelId="{68CD777D-C917-224D-8AED-30F496275DC8}" type="pres">
-      <dgm:prSet presAssocID="{C1F325FF-6D02-304E-A3A6-FB454F9AFA83}" presName="hierRoot2" presStyleCnt="0">
-        <dgm:presLayoutVars>
-          <dgm:hierBranch val="init"/>
-        </dgm:presLayoutVars>
-      </dgm:prSet>
-      <dgm:spPr/>
-    </dgm:pt>
-    <dgm:pt modelId="{FD38BE43-C24C-D646-A2AB-6DE636E5ADE9}" type="pres">
-      <dgm:prSet presAssocID="{C1F325FF-6D02-304E-A3A6-FB454F9AFA83}" presName="rootComposite2" presStyleCnt="0"/>
-      <dgm:spPr/>
-    </dgm:pt>
-    <dgm:pt modelId="{75FF2348-A7AF-9643-9F49-43A4F74AA8FF}" type="pres">
-      <dgm:prSet presAssocID="{C1F325FF-6D02-304E-A3A6-FB454F9AFA83}" presName="rootText2" presStyleLbl="alignAcc1" presStyleIdx="0" presStyleCnt="0">
+    <dgm:pt modelId="{364A671A-4760-884C-B6BA-7920D22C39CC}" type="pres">
+      <dgm:prSet presAssocID="{DAF95531-31E0-4F46-AFD8-FD7391AA329E}" presName="rootText2" presStyleLbl="alignAcc1" presStyleIdx="0" presStyleCnt="0">
         <dgm:presLayoutVars>
           <dgm:chPref val="3"/>
         </dgm:presLayoutVars>
@@ -2930,16 +2846,8 @@
         </a:p>
       </dgm:t>
     </dgm:pt>
-    <dgm:pt modelId="{4EC9B277-9643-6A43-9DA1-36AAB47D1C41}" type="pres">
-      <dgm:prSet presAssocID="{C1F325FF-6D02-304E-A3A6-FB454F9AFA83}" presName="topArc2" presStyleLbl="parChTrans1D1" presStyleIdx="18" presStyleCnt="26"/>
-      <dgm:spPr/>
-    </dgm:pt>
-    <dgm:pt modelId="{0CC92220-81F0-A447-A116-16454D0B8361}" type="pres">
-      <dgm:prSet presAssocID="{C1F325FF-6D02-304E-A3A6-FB454F9AFA83}" presName="bottomArc2" presStyleLbl="parChTrans1D1" presStyleIdx="19" presStyleCnt="26"/>
-      <dgm:spPr/>
-    </dgm:pt>
-    <dgm:pt modelId="{8FB68D55-26C8-834F-BA10-3368184B10C7}" type="pres">
-      <dgm:prSet presAssocID="{C1F325FF-6D02-304E-A3A6-FB454F9AFA83}" presName="topConnNode2" presStyleLbl="node3" presStyleIdx="0" presStyleCnt="0"/>
+    <dgm:pt modelId="{3EB7FF13-B64D-544D-839F-C5E2D2B34240}" type="pres">
+      <dgm:prSet presAssocID="{DAF95531-31E0-4F46-AFD8-FD7391AA329E}" presName="topArc2" presStyleLbl="parChTrans1D1" presStyleIdx="14" presStyleCnt="26"/>
       <dgm:spPr/>
       <dgm:t>
         <a:bodyPr/>
@@ -2949,36 +2857,8 @@
         </a:p>
       </dgm:t>
     </dgm:pt>
-    <dgm:pt modelId="{C59EFE43-49F0-B540-8F7F-84D33160CCBF}" type="pres">
-      <dgm:prSet presAssocID="{C1F325FF-6D02-304E-A3A6-FB454F9AFA83}" presName="hierChild4" presStyleCnt="0"/>
-      <dgm:spPr/>
-    </dgm:pt>
-    <dgm:pt modelId="{10D01097-747D-894A-921E-215B6B9331AC}" type="pres">
-      <dgm:prSet presAssocID="{C1F325FF-6D02-304E-A3A6-FB454F9AFA83}" presName="hierChild5" presStyleCnt="0"/>
-      <dgm:spPr/>
-    </dgm:pt>
-    <dgm:pt modelId="{88AEAA63-2E67-8747-B58C-A2B11F71246B}" type="pres">
-      <dgm:prSet presAssocID="{81A25343-0D16-EB49-8A0C-EDCE0EE36611}" presName="Name28" presStyleLbl="parChTrans1D3" presStyleIdx="5" presStyleCnt="6"/>
-      <dgm:spPr/>
-    </dgm:pt>
-    <dgm:pt modelId="{429EEFE5-D8F4-1744-A062-C28B6FEF7A5D}" type="pres">
-      <dgm:prSet presAssocID="{229E44AA-FAE2-F74C-AECE-3FA2F2E5A76A}" presName="hierRoot2" presStyleCnt="0">
-        <dgm:presLayoutVars>
-          <dgm:hierBranch val="init"/>
-        </dgm:presLayoutVars>
-      </dgm:prSet>
-      <dgm:spPr/>
-    </dgm:pt>
-    <dgm:pt modelId="{50F10644-0365-9B43-BEB7-8ABAA5EA8FEE}" type="pres">
-      <dgm:prSet presAssocID="{229E44AA-FAE2-F74C-AECE-3FA2F2E5A76A}" presName="rootComposite2" presStyleCnt="0"/>
-      <dgm:spPr/>
-    </dgm:pt>
-    <dgm:pt modelId="{E260A47B-B1A4-0744-86CE-591DB15F2E61}" type="pres">
-      <dgm:prSet presAssocID="{229E44AA-FAE2-F74C-AECE-3FA2F2E5A76A}" presName="rootText2" presStyleLbl="alignAcc1" presStyleIdx="0" presStyleCnt="0">
-        <dgm:presLayoutVars>
-          <dgm:chPref val="3"/>
-        </dgm:presLayoutVars>
-      </dgm:prSet>
+    <dgm:pt modelId="{3F41BC9D-E17E-4246-9EDC-701DE2734FC5}" type="pres">
+      <dgm:prSet presAssocID="{DAF95531-31E0-4F46-AFD8-FD7391AA329E}" presName="bottomArc2" presStyleLbl="parChTrans1D1" presStyleIdx="15" presStyleCnt="26"/>
       <dgm:spPr/>
       <dgm:t>
         <a:bodyPr/>
@@ -2988,16 +2868,8 @@
         </a:p>
       </dgm:t>
     </dgm:pt>
-    <dgm:pt modelId="{07CD4FD1-A68F-7045-9BA0-664C196BF2A1}" type="pres">
-      <dgm:prSet presAssocID="{229E44AA-FAE2-F74C-AECE-3FA2F2E5A76A}" presName="topArc2" presStyleLbl="parChTrans1D1" presStyleIdx="20" presStyleCnt="26"/>
-      <dgm:spPr/>
-    </dgm:pt>
-    <dgm:pt modelId="{A49AAC8C-4E90-5445-B738-ABE2B67E2AA0}" type="pres">
-      <dgm:prSet presAssocID="{229E44AA-FAE2-F74C-AECE-3FA2F2E5A76A}" presName="bottomArc2" presStyleLbl="parChTrans1D1" presStyleIdx="21" presStyleCnt="26"/>
-      <dgm:spPr/>
-    </dgm:pt>
-    <dgm:pt modelId="{C564B301-2FA0-344E-8B72-DFCC51D4BE93}" type="pres">
-      <dgm:prSet presAssocID="{229E44AA-FAE2-F74C-AECE-3FA2F2E5A76A}" presName="topConnNode2" presStyleLbl="node3" presStyleIdx="0" presStyleCnt="0"/>
+    <dgm:pt modelId="{86E80B09-5A9A-F24C-B32B-40144D117754}" type="pres">
+      <dgm:prSet presAssocID="{DAF95531-31E0-4F46-AFD8-FD7391AA329E}" presName="topConnNode2" presStyleLbl="node2" presStyleIdx="0" presStyleCnt="0"/>
       <dgm:spPr/>
       <dgm:t>
         <a:bodyPr/>
@@ -3007,16 +2879,8 @@
         </a:p>
       </dgm:t>
     </dgm:pt>
-    <dgm:pt modelId="{E29398E1-1384-034A-B48A-D7EF2EC9AF0E}" type="pres">
-      <dgm:prSet presAssocID="{229E44AA-FAE2-F74C-AECE-3FA2F2E5A76A}" presName="hierChild4" presStyleCnt="0"/>
-      <dgm:spPr/>
-    </dgm:pt>
-    <dgm:pt modelId="{C2FBF4AB-C3D2-7E49-BDAC-2A9D4FB6BCF7}" type="pres">
-      <dgm:prSet presAssocID="{229E44AA-FAE2-F74C-AECE-3FA2F2E5A76A}" presName="hierChild5" presStyleCnt="0"/>
-      <dgm:spPr/>
-    </dgm:pt>
-    <dgm:pt modelId="{67BE8D26-34F1-BF48-88B3-D60C3BA0F943}" type="pres">
-      <dgm:prSet presAssocID="{DAF95531-31E0-4F46-AFD8-FD7391AA329E}" presName="hierChild5" presStyleCnt="0"/>
+    <dgm:pt modelId="{07D18399-52D1-454D-86CC-4FC5E852ACA8}" type="pres">
+      <dgm:prSet presAssocID="{DAF95531-31E0-4F46-AFD8-FD7391AA329E}" presName="hierChild4" presStyleCnt="0"/>
       <dgm:spPr/>
       <dgm:t>
         <a:bodyPr/>
@@ -3026,28 +2890,8 @@
         </a:p>
       </dgm:t>
     </dgm:pt>
-    <dgm:pt modelId="{ACB12C10-1451-6242-BF39-EC97DF1D6455}" type="pres">
-      <dgm:prSet presAssocID="{0DFA7789-85DB-5C4C-ADD5-122651580154}" presName="Name28" presStyleLbl="parChTrans1D2" presStyleIdx="4" presStyleCnt="6"/>
-      <dgm:spPr/>
-    </dgm:pt>
-    <dgm:pt modelId="{A1129129-3C24-924F-893E-AC7A0C35D2CF}" type="pres">
-      <dgm:prSet presAssocID="{01FA8B12-D776-D247-9A4C-3685483BE2E9}" presName="hierRoot2" presStyleCnt="0">
-        <dgm:presLayoutVars>
-          <dgm:hierBranch val="init"/>
-        </dgm:presLayoutVars>
-      </dgm:prSet>
-      <dgm:spPr/>
-    </dgm:pt>
-    <dgm:pt modelId="{DF50B7B5-50A1-7B4A-8B0E-17A2442127E5}" type="pres">
-      <dgm:prSet presAssocID="{01FA8B12-D776-D247-9A4C-3685483BE2E9}" presName="rootComposite2" presStyleCnt="0"/>
-      <dgm:spPr/>
-    </dgm:pt>
-    <dgm:pt modelId="{8A60FA54-BD3C-034D-B2FE-09EBD2F35B96}" type="pres">
-      <dgm:prSet presAssocID="{01FA8B12-D776-D247-9A4C-3685483BE2E9}" presName="rootText2" presStyleLbl="alignAcc1" presStyleIdx="0" presStyleCnt="0">
-        <dgm:presLayoutVars>
-          <dgm:chPref val="3"/>
-        </dgm:presLayoutVars>
-      </dgm:prSet>
+    <dgm:pt modelId="{E8E5FCBD-0EA2-AE44-B768-F4340BB0BDFD}" type="pres">
+      <dgm:prSet presAssocID="{B072A879-7CFE-7C42-BAA6-2BD5A155CDEB}" presName="Name28" presStyleLbl="parChTrans1D3" presStyleIdx="3" presStyleCnt="6"/>
       <dgm:spPr/>
       <dgm:t>
         <a:bodyPr/>
@@ -3057,16 +2901,24 @@
         </a:p>
       </dgm:t>
     </dgm:pt>
-    <dgm:pt modelId="{E175ADC2-EB59-BF48-AAAC-092FD34C9145}" type="pres">
-      <dgm:prSet presAssocID="{01FA8B12-D776-D247-9A4C-3685483BE2E9}" presName="topArc2" presStyleLbl="parChTrans1D1" presStyleIdx="22" presStyleCnt="26"/>
-      <dgm:spPr/>
-    </dgm:pt>
-    <dgm:pt modelId="{5498FB05-54BA-E64C-A3DC-9AB45D178E4C}" type="pres">
-      <dgm:prSet presAssocID="{01FA8B12-D776-D247-9A4C-3685483BE2E9}" presName="bottomArc2" presStyleLbl="parChTrans1D1" presStyleIdx="23" presStyleCnt="26"/>
-      <dgm:spPr/>
-    </dgm:pt>
-    <dgm:pt modelId="{0E82D2DD-3A69-CF44-8583-0B5FFFA87ECC}" type="pres">
-      <dgm:prSet presAssocID="{01FA8B12-D776-D247-9A4C-3685483BE2E9}" presName="topConnNode2" presStyleLbl="node2" presStyleIdx="0" presStyleCnt="0"/>
+    <dgm:pt modelId="{4D57650B-F422-6648-8F73-AA497A3BF172}" type="pres">
+      <dgm:prSet presAssocID="{980970A1-2E4A-314A-8A47-7E72F6016C6C}" presName="hierRoot2" presStyleCnt="0">
+        <dgm:presLayoutVars>
+          <dgm:hierBranch val="init"/>
+        </dgm:presLayoutVars>
+      </dgm:prSet>
+      <dgm:spPr/>
+    </dgm:pt>
+    <dgm:pt modelId="{55A6F51B-AC33-754D-A45F-90EC58E2206B}" type="pres">
+      <dgm:prSet presAssocID="{980970A1-2E4A-314A-8A47-7E72F6016C6C}" presName="rootComposite2" presStyleCnt="0"/>
+      <dgm:spPr/>
+    </dgm:pt>
+    <dgm:pt modelId="{373E168B-AF28-CA49-B619-D5964FD0FBF9}" type="pres">
+      <dgm:prSet presAssocID="{980970A1-2E4A-314A-8A47-7E72F6016C6C}" presName="rootText2" presStyleLbl="alignAcc1" presStyleIdx="0" presStyleCnt="0">
+        <dgm:presLayoutVars>
+          <dgm:chPref val="3"/>
+        </dgm:presLayoutVars>
+      </dgm:prSet>
       <dgm:spPr/>
       <dgm:t>
         <a:bodyPr/>
@@ -3076,36 +2928,16 @@
         </a:p>
       </dgm:t>
     </dgm:pt>
-    <dgm:pt modelId="{E419F5D7-C16A-FB43-84F3-738743F17A41}" type="pres">
-      <dgm:prSet presAssocID="{01FA8B12-D776-D247-9A4C-3685483BE2E9}" presName="hierChild4" presStyleCnt="0"/>
-      <dgm:spPr/>
-    </dgm:pt>
-    <dgm:pt modelId="{D679FCE5-D74D-5440-9786-12D2D576A5BF}" type="pres">
-      <dgm:prSet presAssocID="{01FA8B12-D776-D247-9A4C-3685483BE2E9}" presName="hierChild5" presStyleCnt="0"/>
-      <dgm:spPr/>
-    </dgm:pt>
-    <dgm:pt modelId="{56E89C1A-9B2F-F34A-83E2-C423698733D2}" type="pres">
-      <dgm:prSet presAssocID="{F1E393DF-4ED3-434D-BE13-BFB423DF8DC8}" presName="Name28" presStyleLbl="parChTrans1D2" presStyleIdx="5" presStyleCnt="6"/>
-      <dgm:spPr/>
-    </dgm:pt>
-    <dgm:pt modelId="{3AEA5C0C-0A3C-2046-96A7-524F7FAE6FF1}" type="pres">
-      <dgm:prSet presAssocID="{4A836C4A-8899-4A47-AF90-080720415EDB}" presName="hierRoot2" presStyleCnt="0">
-        <dgm:presLayoutVars>
-          <dgm:hierBranch val="init"/>
-        </dgm:presLayoutVars>
-      </dgm:prSet>
-      <dgm:spPr/>
-    </dgm:pt>
-    <dgm:pt modelId="{3B4FF284-AE9E-044A-9DFC-BBB238CF7518}" type="pres">
-      <dgm:prSet presAssocID="{4A836C4A-8899-4A47-AF90-080720415EDB}" presName="rootComposite2" presStyleCnt="0"/>
-      <dgm:spPr/>
-    </dgm:pt>
-    <dgm:pt modelId="{B9E59679-DA51-A241-8926-E82C8C6ED55D}" type="pres">
-      <dgm:prSet presAssocID="{4A836C4A-8899-4A47-AF90-080720415EDB}" presName="rootText2" presStyleLbl="alignAcc1" presStyleIdx="0" presStyleCnt="0">
-        <dgm:presLayoutVars>
-          <dgm:chPref val="3"/>
-        </dgm:presLayoutVars>
-      </dgm:prSet>
+    <dgm:pt modelId="{CD71326A-2691-094C-BCE0-46721729C2A4}" type="pres">
+      <dgm:prSet presAssocID="{980970A1-2E4A-314A-8A47-7E72F6016C6C}" presName="topArc2" presStyleLbl="parChTrans1D1" presStyleIdx="16" presStyleCnt="26"/>
+      <dgm:spPr/>
+    </dgm:pt>
+    <dgm:pt modelId="{FA3F9D15-A4F9-6646-848A-9FD9FC7B0E24}" type="pres">
+      <dgm:prSet presAssocID="{980970A1-2E4A-314A-8A47-7E72F6016C6C}" presName="bottomArc2" presStyleLbl="parChTrans1D1" presStyleIdx="17" presStyleCnt="26"/>
+      <dgm:spPr/>
+    </dgm:pt>
+    <dgm:pt modelId="{43740663-79E2-E641-8936-62797E850819}" type="pres">
+      <dgm:prSet presAssocID="{980970A1-2E4A-314A-8A47-7E72F6016C6C}" presName="topConnNode2" presStyleLbl="node3" presStyleIdx="0" presStyleCnt="0"/>
       <dgm:spPr/>
       <dgm:t>
         <a:bodyPr/>
@@ -3115,16 +2947,16 @@
         </a:p>
       </dgm:t>
     </dgm:pt>
-    <dgm:pt modelId="{36F5C7F2-75D7-364D-A634-6EEC4DD13FF4}" type="pres">
-      <dgm:prSet presAssocID="{4A836C4A-8899-4A47-AF90-080720415EDB}" presName="topArc2" presStyleLbl="parChTrans1D1" presStyleIdx="24" presStyleCnt="26"/>
-      <dgm:spPr/>
-    </dgm:pt>
-    <dgm:pt modelId="{FC573A9C-0660-F24C-973C-F86DEEBAD8D3}" type="pres">
-      <dgm:prSet presAssocID="{4A836C4A-8899-4A47-AF90-080720415EDB}" presName="bottomArc2" presStyleLbl="parChTrans1D1" presStyleIdx="25" presStyleCnt="26"/>
-      <dgm:spPr/>
-    </dgm:pt>
-    <dgm:pt modelId="{D4390C3E-DB06-9646-B9AE-2A7A99093D03}" type="pres">
-      <dgm:prSet presAssocID="{4A836C4A-8899-4A47-AF90-080720415EDB}" presName="topConnNode2" presStyleLbl="node2" presStyleIdx="0" presStyleCnt="0"/>
+    <dgm:pt modelId="{1BB58D03-2EB1-CD48-A343-1EF7F6577F6B}" type="pres">
+      <dgm:prSet presAssocID="{980970A1-2E4A-314A-8A47-7E72F6016C6C}" presName="hierChild4" presStyleCnt="0"/>
+      <dgm:spPr/>
+    </dgm:pt>
+    <dgm:pt modelId="{2DD1627D-A942-D64D-9163-5875FE131345}" type="pres">
+      <dgm:prSet presAssocID="{980970A1-2E4A-314A-8A47-7E72F6016C6C}" presName="hierChild5" presStyleCnt="0"/>
+      <dgm:spPr/>
+    </dgm:pt>
+    <dgm:pt modelId="{4EA206C2-85AA-374E-A8DF-274974CB02D4}" type="pres">
+      <dgm:prSet presAssocID="{6D6E80E8-97B2-9B4A-8D62-5D9D47B3C032}" presName="Name28" presStyleLbl="parChTrans1D3" presStyleIdx="4" presStyleCnt="6"/>
       <dgm:spPr/>
       <dgm:t>
         <a:bodyPr/>
@@ -3134,16 +2966,24 @@
         </a:p>
       </dgm:t>
     </dgm:pt>
-    <dgm:pt modelId="{37D39ED9-BE55-ED49-870E-620744C8F257}" type="pres">
-      <dgm:prSet presAssocID="{4A836C4A-8899-4A47-AF90-080720415EDB}" presName="hierChild4" presStyleCnt="0"/>
-      <dgm:spPr/>
-    </dgm:pt>
-    <dgm:pt modelId="{ACC3B445-3B87-F147-B967-B39777D17D8E}" type="pres">
-      <dgm:prSet presAssocID="{4A836C4A-8899-4A47-AF90-080720415EDB}" presName="hierChild5" presStyleCnt="0"/>
-      <dgm:spPr/>
-    </dgm:pt>
-    <dgm:pt modelId="{A3290EC3-0C95-B74F-A880-D8B1EE865DFE}" type="pres">
-      <dgm:prSet presAssocID="{A23CC843-4DC5-EB49-B5E7-E281F079CBBA}" presName="hierChild3" presStyleCnt="0"/>
+    <dgm:pt modelId="{68CD777D-C917-224D-8AED-30F496275DC8}" type="pres">
+      <dgm:prSet presAssocID="{C1F325FF-6D02-304E-A3A6-FB454F9AFA83}" presName="hierRoot2" presStyleCnt="0">
+        <dgm:presLayoutVars>
+          <dgm:hierBranch val="init"/>
+        </dgm:presLayoutVars>
+      </dgm:prSet>
+      <dgm:spPr/>
+    </dgm:pt>
+    <dgm:pt modelId="{FD38BE43-C24C-D646-A2AB-6DE636E5ADE9}" type="pres">
+      <dgm:prSet presAssocID="{C1F325FF-6D02-304E-A3A6-FB454F9AFA83}" presName="rootComposite2" presStyleCnt="0"/>
+      <dgm:spPr/>
+    </dgm:pt>
+    <dgm:pt modelId="{75FF2348-A7AF-9643-9F49-43A4F74AA8FF}" type="pres">
+      <dgm:prSet presAssocID="{C1F325FF-6D02-304E-A3A6-FB454F9AFA83}" presName="rootText2" presStyleLbl="alignAcc1" presStyleIdx="0" presStyleCnt="0">
+        <dgm:presLayoutVars>
+          <dgm:chPref val="3"/>
+        </dgm:presLayoutVars>
+      </dgm:prSet>
       <dgm:spPr/>
       <dgm:t>
         <a:bodyPr/>
@@ -3153,60 +2993,304 @@
         </a:p>
       </dgm:t>
     </dgm:pt>
+    <dgm:pt modelId="{4EC9B277-9643-6A43-9DA1-36AAB47D1C41}" type="pres">
+      <dgm:prSet presAssocID="{C1F325FF-6D02-304E-A3A6-FB454F9AFA83}" presName="topArc2" presStyleLbl="parChTrans1D1" presStyleIdx="18" presStyleCnt="26"/>
+      <dgm:spPr/>
+    </dgm:pt>
+    <dgm:pt modelId="{0CC92220-81F0-A447-A116-16454D0B8361}" type="pres">
+      <dgm:prSet presAssocID="{C1F325FF-6D02-304E-A3A6-FB454F9AFA83}" presName="bottomArc2" presStyleLbl="parChTrans1D1" presStyleIdx="19" presStyleCnt="26"/>
+      <dgm:spPr/>
+    </dgm:pt>
+    <dgm:pt modelId="{8FB68D55-26C8-834F-BA10-3368184B10C7}" type="pres">
+      <dgm:prSet presAssocID="{C1F325FF-6D02-304E-A3A6-FB454F9AFA83}" presName="topConnNode2" presStyleLbl="node3" presStyleIdx="0" presStyleCnt="0"/>
+      <dgm:spPr/>
+      <dgm:t>
+        <a:bodyPr/>
+        <a:lstStyle/>
+        <a:p>
+          <a:endParaRPr lang="en-US"/>
+        </a:p>
+      </dgm:t>
+    </dgm:pt>
+    <dgm:pt modelId="{C59EFE43-49F0-B540-8F7F-84D33160CCBF}" type="pres">
+      <dgm:prSet presAssocID="{C1F325FF-6D02-304E-A3A6-FB454F9AFA83}" presName="hierChild4" presStyleCnt="0"/>
+      <dgm:spPr/>
+    </dgm:pt>
+    <dgm:pt modelId="{10D01097-747D-894A-921E-215B6B9331AC}" type="pres">
+      <dgm:prSet presAssocID="{C1F325FF-6D02-304E-A3A6-FB454F9AFA83}" presName="hierChild5" presStyleCnt="0"/>
+      <dgm:spPr/>
+    </dgm:pt>
+    <dgm:pt modelId="{88AEAA63-2E67-8747-B58C-A2B11F71246B}" type="pres">
+      <dgm:prSet presAssocID="{81A25343-0D16-EB49-8A0C-EDCE0EE36611}" presName="Name28" presStyleLbl="parChTrans1D3" presStyleIdx="5" presStyleCnt="6"/>
+      <dgm:spPr/>
+      <dgm:t>
+        <a:bodyPr/>
+        <a:lstStyle/>
+        <a:p>
+          <a:endParaRPr lang="en-US"/>
+        </a:p>
+      </dgm:t>
+    </dgm:pt>
+    <dgm:pt modelId="{429EEFE5-D8F4-1744-A062-C28B6FEF7A5D}" type="pres">
+      <dgm:prSet presAssocID="{229E44AA-FAE2-F74C-AECE-3FA2F2E5A76A}" presName="hierRoot2" presStyleCnt="0">
+        <dgm:presLayoutVars>
+          <dgm:hierBranch val="init"/>
+        </dgm:presLayoutVars>
+      </dgm:prSet>
+      <dgm:spPr/>
+    </dgm:pt>
+    <dgm:pt modelId="{50F10644-0365-9B43-BEB7-8ABAA5EA8FEE}" type="pres">
+      <dgm:prSet presAssocID="{229E44AA-FAE2-F74C-AECE-3FA2F2E5A76A}" presName="rootComposite2" presStyleCnt="0"/>
+      <dgm:spPr/>
+    </dgm:pt>
+    <dgm:pt modelId="{E260A47B-B1A4-0744-86CE-591DB15F2E61}" type="pres">
+      <dgm:prSet presAssocID="{229E44AA-FAE2-F74C-AECE-3FA2F2E5A76A}" presName="rootText2" presStyleLbl="alignAcc1" presStyleIdx="0" presStyleCnt="0">
+        <dgm:presLayoutVars>
+          <dgm:chPref val="3"/>
+        </dgm:presLayoutVars>
+      </dgm:prSet>
+      <dgm:spPr/>
+      <dgm:t>
+        <a:bodyPr/>
+        <a:lstStyle/>
+        <a:p>
+          <a:endParaRPr lang="en-US"/>
+        </a:p>
+      </dgm:t>
+    </dgm:pt>
+    <dgm:pt modelId="{07CD4FD1-A68F-7045-9BA0-664C196BF2A1}" type="pres">
+      <dgm:prSet presAssocID="{229E44AA-FAE2-F74C-AECE-3FA2F2E5A76A}" presName="topArc2" presStyleLbl="parChTrans1D1" presStyleIdx="20" presStyleCnt="26"/>
+      <dgm:spPr/>
+    </dgm:pt>
+    <dgm:pt modelId="{A49AAC8C-4E90-5445-B738-ABE2B67E2AA0}" type="pres">
+      <dgm:prSet presAssocID="{229E44AA-FAE2-F74C-AECE-3FA2F2E5A76A}" presName="bottomArc2" presStyleLbl="parChTrans1D1" presStyleIdx="21" presStyleCnt="26"/>
+      <dgm:spPr/>
+    </dgm:pt>
+    <dgm:pt modelId="{C564B301-2FA0-344E-8B72-DFCC51D4BE93}" type="pres">
+      <dgm:prSet presAssocID="{229E44AA-FAE2-F74C-AECE-3FA2F2E5A76A}" presName="topConnNode2" presStyleLbl="node3" presStyleIdx="0" presStyleCnt="0"/>
+      <dgm:spPr/>
+      <dgm:t>
+        <a:bodyPr/>
+        <a:lstStyle/>
+        <a:p>
+          <a:endParaRPr lang="en-US"/>
+        </a:p>
+      </dgm:t>
+    </dgm:pt>
+    <dgm:pt modelId="{E29398E1-1384-034A-B48A-D7EF2EC9AF0E}" type="pres">
+      <dgm:prSet presAssocID="{229E44AA-FAE2-F74C-AECE-3FA2F2E5A76A}" presName="hierChild4" presStyleCnt="0"/>
+      <dgm:spPr/>
+    </dgm:pt>
+    <dgm:pt modelId="{C2FBF4AB-C3D2-7E49-BDAC-2A9D4FB6BCF7}" type="pres">
+      <dgm:prSet presAssocID="{229E44AA-FAE2-F74C-AECE-3FA2F2E5A76A}" presName="hierChild5" presStyleCnt="0"/>
+      <dgm:spPr/>
+    </dgm:pt>
+    <dgm:pt modelId="{67BE8D26-34F1-BF48-88B3-D60C3BA0F943}" type="pres">
+      <dgm:prSet presAssocID="{DAF95531-31E0-4F46-AFD8-FD7391AA329E}" presName="hierChild5" presStyleCnt="0"/>
+      <dgm:spPr/>
+      <dgm:t>
+        <a:bodyPr/>
+        <a:lstStyle/>
+        <a:p>
+          <a:endParaRPr lang="en-US"/>
+        </a:p>
+      </dgm:t>
+    </dgm:pt>
+    <dgm:pt modelId="{ACB12C10-1451-6242-BF39-EC97DF1D6455}" type="pres">
+      <dgm:prSet presAssocID="{0DFA7789-85DB-5C4C-ADD5-122651580154}" presName="Name28" presStyleLbl="parChTrans1D2" presStyleIdx="4" presStyleCnt="6"/>
+      <dgm:spPr/>
+      <dgm:t>
+        <a:bodyPr/>
+        <a:lstStyle/>
+        <a:p>
+          <a:endParaRPr lang="en-US"/>
+        </a:p>
+      </dgm:t>
+    </dgm:pt>
+    <dgm:pt modelId="{A1129129-3C24-924F-893E-AC7A0C35D2CF}" type="pres">
+      <dgm:prSet presAssocID="{01FA8B12-D776-D247-9A4C-3685483BE2E9}" presName="hierRoot2" presStyleCnt="0">
+        <dgm:presLayoutVars>
+          <dgm:hierBranch val="init"/>
+        </dgm:presLayoutVars>
+      </dgm:prSet>
+      <dgm:spPr/>
+    </dgm:pt>
+    <dgm:pt modelId="{DF50B7B5-50A1-7B4A-8B0E-17A2442127E5}" type="pres">
+      <dgm:prSet presAssocID="{01FA8B12-D776-D247-9A4C-3685483BE2E9}" presName="rootComposite2" presStyleCnt="0"/>
+      <dgm:spPr/>
+    </dgm:pt>
+    <dgm:pt modelId="{8A60FA54-BD3C-034D-B2FE-09EBD2F35B96}" type="pres">
+      <dgm:prSet presAssocID="{01FA8B12-D776-D247-9A4C-3685483BE2E9}" presName="rootText2" presStyleLbl="alignAcc1" presStyleIdx="0" presStyleCnt="0">
+        <dgm:presLayoutVars>
+          <dgm:chPref val="3"/>
+        </dgm:presLayoutVars>
+      </dgm:prSet>
+      <dgm:spPr/>
+      <dgm:t>
+        <a:bodyPr/>
+        <a:lstStyle/>
+        <a:p>
+          <a:endParaRPr lang="en-US"/>
+        </a:p>
+      </dgm:t>
+    </dgm:pt>
+    <dgm:pt modelId="{E175ADC2-EB59-BF48-AAAC-092FD34C9145}" type="pres">
+      <dgm:prSet presAssocID="{01FA8B12-D776-D247-9A4C-3685483BE2E9}" presName="topArc2" presStyleLbl="parChTrans1D1" presStyleIdx="22" presStyleCnt="26"/>
+      <dgm:spPr/>
+    </dgm:pt>
+    <dgm:pt modelId="{5498FB05-54BA-E64C-A3DC-9AB45D178E4C}" type="pres">
+      <dgm:prSet presAssocID="{01FA8B12-D776-D247-9A4C-3685483BE2E9}" presName="bottomArc2" presStyleLbl="parChTrans1D1" presStyleIdx="23" presStyleCnt="26"/>
+      <dgm:spPr/>
+    </dgm:pt>
+    <dgm:pt modelId="{0E82D2DD-3A69-CF44-8583-0B5FFFA87ECC}" type="pres">
+      <dgm:prSet presAssocID="{01FA8B12-D776-D247-9A4C-3685483BE2E9}" presName="topConnNode2" presStyleLbl="node2" presStyleIdx="0" presStyleCnt="0"/>
+      <dgm:spPr/>
+      <dgm:t>
+        <a:bodyPr/>
+        <a:lstStyle/>
+        <a:p>
+          <a:endParaRPr lang="en-US"/>
+        </a:p>
+      </dgm:t>
+    </dgm:pt>
+    <dgm:pt modelId="{E419F5D7-C16A-FB43-84F3-738743F17A41}" type="pres">
+      <dgm:prSet presAssocID="{01FA8B12-D776-D247-9A4C-3685483BE2E9}" presName="hierChild4" presStyleCnt="0"/>
+      <dgm:spPr/>
+    </dgm:pt>
+    <dgm:pt modelId="{D679FCE5-D74D-5440-9786-12D2D576A5BF}" type="pres">
+      <dgm:prSet presAssocID="{01FA8B12-D776-D247-9A4C-3685483BE2E9}" presName="hierChild5" presStyleCnt="0"/>
+      <dgm:spPr/>
+    </dgm:pt>
+    <dgm:pt modelId="{56E89C1A-9B2F-F34A-83E2-C423698733D2}" type="pres">
+      <dgm:prSet presAssocID="{F1E393DF-4ED3-434D-BE13-BFB423DF8DC8}" presName="Name28" presStyleLbl="parChTrans1D2" presStyleIdx="5" presStyleCnt="6"/>
+      <dgm:spPr/>
+      <dgm:t>
+        <a:bodyPr/>
+        <a:lstStyle/>
+        <a:p>
+          <a:endParaRPr lang="en-US"/>
+        </a:p>
+      </dgm:t>
+    </dgm:pt>
+    <dgm:pt modelId="{3AEA5C0C-0A3C-2046-96A7-524F7FAE6FF1}" type="pres">
+      <dgm:prSet presAssocID="{4A836C4A-8899-4A47-AF90-080720415EDB}" presName="hierRoot2" presStyleCnt="0">
+        <dgm:presLayoutVars>
+          <dgm:hierBranch val="init"/>
+        </dgm:presLayoutVars>
+      </dgm:prSet>
+      <dgm:spPr/>
+    </dgm:pt>
+    <dgm:pt modelId="{3B4FF284-AE9E-044A-9DFC-BBB238CF7518}" type="pres">
+      <dgm:prSet presAssocID="{4A836C4A-8899-4A47-AF90-080720415EDB}" presName="rootComposite2" presStyleCnt="0"/>
+      <dgm:spPr/>
+    </dgm:pt>
+    <dgm:pt modelId="{B9E59679-DA51-A241-8926-E82C8C6ED55D}" type="pres">
+      <dgm:prSet presAssocID="{4A836C4A-8899-4A47-AF90-080720415EDB}" presName="rootText2" presStyleLbl="alignAcc1" presStyleIdx="0" presStyleCnt="0">
+        <dgm:presLayoutVars>
+          <dgm:chPref val="3"/>
+        </dgm:presLayoutVars>
+      </dgm:prSet>
+      <dgm:spPr/>
+      <dgm:t>
+        <a:bodyPr/>
+        <a:lstStyle/>
+        <a:p>
+          <a:endParaRPr lang="en-US"/>
+        </a:p>
+      </dgm:t>
+    </dgm:pt>
+    <dgm:pt modelId="{36F5C7F2-75D7-364D-A634-6EEC4DD13FF4}" type="pres">
+      <dgm:prSet presAssocID="{4A836C4A-8899-4A47-AF90-080720415EDB}" presName="topArc2" presStyleLbl="parChTrans1D1" presStyleIdx="24" presStyleCnt="26"/>
+      <dgm:spPr/>
+    </dgm:pt>
+    <dgm:pt modelId="{FC573A9C-0660-F24C-973C-F86DEEBAD8D3}" type="pres">
+      <dgm:prSet presAssocID="{4A836C4A-8899-4A47-AF90-080720415EDB}" presName="bottomArc2" presStyleLbl="parChTrans1D1" presStyleIdx="25" presStyleCnt="26"/>
+      <dgm:spPr/>
+    </dgm:pt>
+    <dgm:pt modelId="{D4390C3E-DB06-9646-B9AE-2A7A99093D03}" type="pres">
+      <dgm:prSet presAssocID="{4A836C4A-8899-4A47-AF90-080720415EDB}" presName="topConnNode2" presStyleLbl="node2" presStyleIdx="0" presStyleCnt="0"/>
+      <dgm:spPr/>
+      <dgm:t>
+        <a:bodyPr/>
+        <a:lstStyle/>
+        <a:p>
+          <a:endParaRPr lang="en-US"/>
+        </a:p>
+      </dgm:t>
+    </dgm:pt>
+    <dgm:pt modelId="{37D39ED9-BE55-ED49-870E-620744C8F257}" type="pres">
+      <dgm:prSet presAssocID="{4A836C4A-8899-4A47-AF90-080720415EDB}" presName="hierChild4" presStyleCnt="0"/>
+      <dgm:spPr/>
+    </dgm:pt>
+    <dgm:pt modelId="{ACC3B445-3B87-F147-B967-B39777D17D8E}" type="pres">
+      <dgm:prSet presAssocID="{4A836C4A-8899-4A47-AF90-080720415EDB}" presName="hierChild5" presStyleCnt="0"/>
+      <dgm:spPr/>
+    </dgm:pt>
+    <dgm:pt modelId="{A3290EC3-0C95-B74F-A880-D8B1EE865DFE}" type="pres">
+      <dgm:prSet presAssocID="{A23CC843-4DC5-EB49-B5E7-E281F079CBBA}" presName="hierChild3" presStyleCnt="0"/>
+      <dgm:spPr/>
+      <dgm:t>
+        <a:bodyPr/>
+        <a:lstStyle/>
+        <a:p>
+          <a:endParaRPr lang="en-US"/>
+        </a:p>
+      </dgm:t>
+    </dgm:pt>
   </dgm:ptLst>
   <dgm:cxnLst>
-    <dgm:cxn modelId="{61611B71-B60F-964B-B740-8888344D23AC}" type="presOf" srcId="{229E44AA-FAE2-F74C-AECE-3FA2F2E5A76A}" destId="{E260A47B-B1A4-0744-86CE-591DB15F2E61}" srcOrd="0" destOrd="0" presId="urn:microsoft.com/office/officeart/2008/layout/HalfCircleOrganizationChart"/>
-    <dgm:cxn modelId="{CC3328C7-DD1D-374B-BF37-AB81B5B26CB4}" type="presOf" srcId="{DAF95531-31E0-4F46-AFD8-FD7391AA329E}" destId="{86E80B09-5A9A-F24C-B32B-40144D117754}" srcOrd="1" destOrd="0" presId="urn:microsoft.com/office/officeart/2008/layout/HalfCircleOrganizationChart"/>
+    <dgm:cxn modelId="{FDE213D7-BF2B-B145-8A5F-804C270605F8}" type="presOf" srcId="{0DFA7789-85DB-5C4C-ADD5-122651580154}" destId="{ACB12C10-1451-6242-BF39-EC97DF1D6455}" srcOrd="0" destOrd="0" presId="urn:microsoft.com/office/officeart/2008/layout/HalfCircleOrganizationChart"/>
+    <dgm:cxn modelId="{32E71FA3-0A1D-014C-A152-4F029D07FE21}" type="presOf" srcId="{F3625D1C-81BF-C34E-9002-8579F69C9AD0}" destId="{F3706713-C22C-1D42-973D-AD83B76F28F5}" srcOrd="1" destOrd="0" presId="urn:microsoft.com/office/officeart/2008/layout/HalfCircleOrganizationChart"/>
+    <dgm:cxn modelId="{59E09D4C-07EE-0142-89E8-55F0E5E06836}" srcId="{A23CC843-4DC5-EB49-B5E7-E281F079CBBA}" destId="{F3625D1C-81BF-C34E-9002-8579F69C9AD0}" srcOrd="1" destOrd="0" parTransId="{0FE1BA19-FA2C-FA45-8E0C-9808B76D2E16}" sibTransId="{7207AEC1-3E05-704C-B33D-262B3715E15D}"/>
+    <dgm:cxn modelId="{5D05DE81-44F9-3A40-A134-3C059F78C884}" type="presOf" srcId="{229E44AA-FAE2-F74C-AECE-3FA2F2E5A76A}" destId="{C564B301-2FA0-344E-8B72-DFCC51D4BE93}" srcOrd="1" destOrd="0" presId="urn:microsoft.com/office/officeart/2008/layout/HalfCircleOrganizationChart"/>
+    <dgm:cxn modelId="{A9116DFB-58CF-694E-AD2F-577480CEE23C}" type="presOf" srcId="{03D8EEF0-FDC2-7A4D-AC22-CE48D380970C}" destId="{405C8091-6BFC-A043-B593-663364E2A06A}" srcOrd="1" destOrd="0" presId="urn:microsoft.com/office/officeart/2008/layout/HalfCircleOrganizationChart"/>
+    <dgm:cxn modelId="{01B5D3B4-D480-EC4A-A33A-332A32944DF3}" type="presOf" srcId="{980970A1-2E4A-314A-8A47-7E72F6016C6C}" destId="{373E168B-AF28-CA49-B619-D5964FD0FBF9}" srcOrd="0" destOrd="0" presId="urn:microsoft.com/office/officeart/2008/layout/HalfCircleOrganizationChart"/>
+    <dgm:cxn modelId="{CBC86E32-1CE9-0541-AA97-0025F4369B11}" srcId="{5D414B08-8DF3-994C-99B9-C4FCF3598397}" destId="{A23CC843-4DC5-EB49-B5E7-E281F079CBBA}" srcOrd="0" destOrd="0" parTransId="{E93B3258-AD4F-CA43-B126-B79642DE2FCF}" sibTransId="{9160C882-5463-B04B-8A3E-E929A3D533DE}"/>
+    <dgm:cxn modelId="{A79B299A-5492-0845-B885-998DB6177B23}" type="presOf" srcId="{6D6E80E8-97B2-9B4A-8D62-5D9D47B3C032}" destId="{4EA206C2-85AA-374E-A8DF-274974CB02D4}" srcOrd="0" destOrd="0" presId="urn:microsoft.com/office/officeart/2008/layout/HalfCircleOrganizationChart"/>
+    <dgm:cxn modelId="{15B7BF08-C550-DA4D-9C88-B13B30944AE5}" type="presOf" srcId="{F021CC2C-21F0-0E43-9C1E-1FC1D167CAB3}" destId="{15F82842-FA8B-0A48-B41C-F5BFF40BED92}" srcOrd="0" destOrd="0" presId="urn:microsoft.com/office/officeart/2008/layout/HalfCircleOrganizationChart"/>
+    <dgm:cxn modelId="{97A87FDC-E7A7-0C4A-A6D7-5BC3D09DB3AF}" srcId="{A23CC843-4DC5-EB49-B5E7-E281F079CBBA}" destId="{01FA8B12-D776-D247-9A4C-3685483BE2E9}" srcOrd="4" destOrd="0" parTransId="{0DFA7789-85DB-5C4C-ADD5-122651580154}" sibTransId="{1449C741-33FA-1F47-965C-C62983CEDF58}"/>
+    <dgm:cxn modelId="{10F3BA83-783C-414C-968A-497E31A9A822}" type="presOf" srcId="{A23CC843-4DC5-EB49-B5E7-E281F079CBBA}" destId="{040BB81A-B1B9-3541-B8BB-5A02606B2A57}" srcOrd="1" destOrd="0" presId="urn:microsoft.com/office/officeart/2008/layout/HalfCircleOrganizationChart"/>
+    <dgm:cxn modelId="{9A506EB2-CAC6-B344-99C1-B908D3FAFA5E}" type="presOf" srcId="{8838C3C2-63B8-0B4C-B071-CFD21D0FDF24}" destId="{81DF42E9-BF5D-5047-8569-6D424261EFD8}" srcOrd="0" destOrd="0" presId="urn:microsoft.com/office/officeart/2008/layout/HalfCircleOrganizationChart"/>
+    <dgm:cxn modelId="{56A59D1E-6645-844F-BD3E-7FF02BF2FE84}" type="presOf" srcId="{A23CC843-4DC5-EB49-B5E7-E281F079CBBA}" destId="{101B0C7C-62CC-5A41-BCA9-E2DCFD3D4879}" srcOrd="0" destOrd="0" presId="urn:microsoft.com/office/officeart/2008/layout/HalfCircleOrganizationChart"/>
+    <dgm:cxn modelId="{32F61A67-3C1F-1C42-B0A7-C0FF4ABDD769}" type="presOf" srcId="{01FA8B12-D776-D247-9A4C-3685483BE2E9}" destId="{0E82D2DD-3A69-CF44-8583-0B5FFFA87ECC}" srcOrd="1" destOrd="0" presId="urn:microsoft.com/office/officeart/2008/layout/HalfCircleOrganizationChart"/>
+    <dgm:cxn modelId="{59F5DC9D-FCD4-324D-81DC-9ADC94869646}" type="presOf" srcId="{F1E393DF-4ED3-434D-BE13-BFB423DF8DC8}" destId="{56E89C1A-9B2F-F34A-83E2-C423698733D2}" srcOrd="0" destOrd="0" presId="urn:microsoft.com/office/officeart/2008/layout/HalfCircleOrganizationChart"/>
+    <dgm:cxn modelId="{E2544021-A01D-D940-852F-DD02490400BA}" type="presOf" srcId="{8DD8BA07-1EFD-004F-8F5D-9080D24ED6A4}" destId="{EA6D8479-9BF2-8F4B-9A4C-EC8AFC0EC05C}" srcOrd="0" destOrd="0" presId="urn:microsoft.com/office/officeart/2008/layout/HalfCircleOrganizationChart"/>
+    <dgm:cxn modelId="{A305A747-0394-C347-85ED-234B43319D85}" type="presOf" srcId="{CF15C764-86CF-954A-B792-E100C895B104}" destId="{2365D8DB-A15E-CD42-812C-2AC21D20034B}" srcOrd="1" destOrd="0" presId="urn:microsoft.com/office/officeart/2008/layout/HalfCircleOrganizationChart"/>
     <dgm:cxn modelId="{32302938-8291-1044-BB6D-FF1B288089FA}" srcId="{A23CC843-4DC5-EB49-B5E7-E281F079CBBA}" destId="{4A836C4A-8899-4A47-AF90-080720415EDB}" srcOrd="5" destOrd="0" parTransId="{F1E393DF-4ED3-434D-BE13-BFB423DF8DC8}" sibTransId="{1132FE91-B65C-8C42-BDE2-C5E8248B92C2}"/>
-    <dgm:cxn modelId="{59E09D4C-07EE-0142-89E8-55F0E5E06836}" srcId="{A23CC843-4DC5-EB49-B5E7-E281F079CBBA}" destId="{F3625D1C-81BF-C34E-9002-8579F69C9AD0}" srcOrd="1" destOrd="0" parTransId="{0FE1BA19-FA2C-FA45-8E0C-9808B76D2E16}" sibTransId="{7207AEC1-3E05-704C-B33D-262B3715E15D}"/>
-    <dgm:cxn modelId="{9A506EB2-CAC6-B344-99C1-B908D3FAFA5E}" type="presOf" srcId="{8838C3C2-63B8-0B4C-B071-CFD21D0FDF24}" destId="{81DF42E9-BF5D-5047-8569-6D424261EFD8}" srcOrd="0" destOrd="0" presId="urn:microsoft.com/office/officeart/2008/layout/HalfCircleOrganizationChart"/>
     <dgm:cxn modelId="{9B588B65-30D3-384F-A6F6-6E54827F08B4}" type="presOf" srcId="{01FA8B12-D776-D247-9A4C-3685483BE2E9}" destId="{8A60FA54-BD3C-034D-B2FE-09EBD2F35B96}" srcOrd="0" destOrd="0" presId="urn:microsoft.com/office/officeart/2008/layout/HalfCircleOrganizationChart"/>
-    <dgm:cxn modelId="{15B7BF08-C550-DA4D-9C88-B13B30944AE5}" type="presOf" srcId="{F021CC2C-21F0-0E43-9C1E-1FC1D167CAB3}" destId="{15F82842-FA8B-0A48-B41C-F5BFF40BED92}" srcOrd="0" destOrd="0" presId="urn:microsoft.com/office/officeart/2008/layout/HalfCircleOrganizationChart"/>
+    <dgm:cxn modelId="{DC8A2D3F-41F6-6640-AB18-1A0A5DFD5069}" type="presOf" srcId="{CF15C764-86CF-954A-B792-E100C895B104}" destId="{4F9C6826-99D1-3C42-B298-9F8F09731B03}" srcOrd="0" destOrd="0" presId="urn:microsoft.com/office/officeart/2008/layout/HalfCircleOrganizationChart"/>
+    <dgm:cxn modelId="{950C0C45-5247-BD49-AACD-0D00AA24127C}" type="presOf" srcId="{80BEE18D-0BF3-0249-A813-1A88B595367E}" destId="{87234544-84DB-D840-B97F-8FB4ABCE1FA5}" srcOrd="0" destOrd="0" presId="urn:microsoft.com/office/officeart/2008/layout/HalfCircleOrganizationChart"/>
+    <dgm:cxn modelId="{CED3886E-6C9F-2F49-A74E-8E679CE15DC4}" type="presOf" srcId="{ED996D38-8E47-D344-A150-BB9209D5A08F}" destId="{3380511E-6487-294A-909F-EEE6058C7739}" srcOrd="1" destOrd="0" presId="urn:microsoft.com/office/officeart/2008/layout/HalfCircleOrganizationChart"/>
+    <dgm:cxn modelId="{45BCEE87-EABB-6B47-BFA0-F6CE8A4560F0}" type="presOf" srcId="{03D8EEF0-FDC2-7A4D-AC22-CE48D380970C}" destId="{6F8191AE-ED19-1443-82FF-308B113DA6D1}" srcOrd="0" destOrd="0" presId="urn:microsoft.com/office/officeart/2008/layout/HalfCircleOrganizationChart"/>
+    <dgm:cxn modelId="{EAF6E49C-C32B-3643-A2CC-9F010E46B945}" type="presOf" srcId="{4A836C4A-8899-4A47-AF90-080720415EDB}" destId="{D4390C3E-DB06-9646-B9AE-2A7A99093D03}" srcOrd="1" destOrd="0" presId="urn:microsoft.com/office/officeart/2008/layout/HalfCircleOrganizationChart"/>
+    <dgm:cxn modelId="{8DD51F29-DA95-4F43-BD1A-AEEB446C469C}" type="presOf" srcId="{980970A1-2E4A-314A-8A47-7E72F6016C6C}" destId="{43740663-79E2-E641-8936-62797E850819}" srcOrd="1" destOrd="0" presId="urn:microsoft.com/office/officeart/2008/layout/HalfCircleOrganizationChart"/>
+    <dgm:cxn modelId="{7A950111-0019-5F49-816B-920AF4E5776F}" type="presOf" srcId="{0FE1BA19-FA2C-FA45-8E0C-9808B76D2E16}" destId="{22E17BBC-6DCC-6748-A794-925DE59E9024}" srcOrd="0" destOrd="0" presId="urn:microsoft.com/office/officeart/2008/layout/HalfCircleOrganizationChart"/>
+    <dgm:cxn modelId="{6A4BB000-177E-D041-BD54-765DF4B6ECC4}" type="presOf" srcId="{B072A879-7CFE-7C42-BAA6-2BD5A155CDEB}" destId="{E8E5FCBD-0EA2-AE44-B768-F4340BB0BDFD}" srcOrd="0" destOrd="0" presId="urn:microsoft.com/office/officeart/2008/layout/HalfCircleOrganizationChart"/>
+    <dgm:cxn modelId="{81005C2A-C9DA-0446-B134-F25A0AB9AED8}" type="presOf" srcId="{A11C54D1-A4C4-F244-8076-A8884DC2046D}" destId="{98E4504C-E46A-1A47-9E1A-B293E2200592}" srcOrd="0" destOrd="0" presId="urn:microsoft.com/office/officeart/2008/layout/HalfCircleOrganizationChart"/>
+    <dgm:cxn modelId="{78B0AFB5-E9E8-1348-BA76-5DAAD9440DF5}" type="presOf" srcId="{CEC2D8EB-C9D3-504D-893B-82514175BC1C}" destId="{6B529003-4E48-594A-B390-9802787A22E0}" srcOrd="0" destOrd="0" presId="urn:microsoft.com/office/officeart/2008/layout/HalfCircleOrganizationChart"/>
+    <dgm:cxn modelId="{2E4F676C-71AD-B644-91C3-CEBCC976C455}" type="presOf" srcId="{80BEE18D-0BF3-0249-A813-1A88B595367E}" destId="{CF1161EE-A995-0144-82B2-FBD655D6BD20}" srcOrd="1" destOrd="0" presId="urn:microsoft.com/office/officeart/2008/layout/HalfCircleOrganizationChart"/>
     <dgm:cxn modelId="{6BF97F67-2F10-3C40-90BF-EDE5D7953101}" srcId="{DAF95531-31E0-4F46-AFD8-FD7391AA329E}" destId="{980970A1-2E4A-314A-8A47-7E72F6016C6C}" srcOrd="0" destOrd="0" parTransId="{B072A879-7CFE-7C42-BAA6-2BD5A155CDEB}" sibTransId="{034FFB3C-2DE8-924A-B9C6-89D84C2448E7}"/>
-    <dgm:cxn modelId="{45BCEE87-EABB-6B47-BFA0-F6CE8A4560F0}" type="presOf" srcId="{03D8EEF0-FDC2-7A4D-AC22-CE48D380970C}" destId="{6F8191AE-ED19-1443-82FF-308B113DA6D1}" srcOrd="0" destOrd="0" presId="urn:microsoft.com/office/officeart/2008/layout/HalfCircleOrganizationChart"/>
-    <dgm:cxn modelId="{D1FD49AE-A83A-4A40-BED8-9A53F381D2B2}" type="presOf" srcId="{DAF95531-31E0-4F46-AFD8-FD7391AA329E}" destId="{364A671A-4760-884C-B6BA-7920D22C39CC}" srcOrd="0" destOrd="0" presId="urn:microsoft.com/office/officeart/2008/layout/HalfCircleOrganizationChart"/>
+    <dgm:cxn modelId="{EAE89B01-62F1-E249-AE9A-A261DB1630AE}" srcId="{DAF95531-31E0-4F46-AFD8-FD7391AA329E}" destId="{C1F325FF-6D02-304E-A3A6-FB454F9AFA83}" srcOrd="1" destOrd="0" parTransId="{6D6E80E8-97B2-9B4A-8D62-5D9D47B3C032}" sibTransId="{813DABBD-2D54-1649-BD8C-BB54F5315551}"/>
+    <dgm:cxn modelId="{AE764F18-7308-D24B-87A2-8099AB5FE6E5}" srcId="{80BEE18D-0BF3-0249-A813-1A88B595367E}" destId="{CF15C764-86CF-954A-B792-E100C895B104}" srcOrd="1" destOrd="0" parTransId="{CEC2D8EB-C9D3-504D-893B-82514175BC1C}" sibTransId="{3FACBF13-B34F-BC43-BFCC-893782C8D7EF}"/>
     <dgm:cxn modelId="{F8850741-A600-5942-A693-83507794BC5F}" type="presOf" srcId="{8F1547D2-8721-8E48-AB2A-ACB9E02FA8F9}" destId="{EB5E039B-C152-5B47-B5D3-2839E9BD3027}" srcOrd="0" destOrd="0" presId="urn:microsoft.com/office/officeart/2008/layout/HalfCircleOrganizationChart"/>
-    <dgm:cxn modelId="{FDE213D7-BF2B-B145-8A5F-804C270605F8}" type="presOf" srcId="{0DFA7789-85DB-5C4C-ADD5-122651580154}" destId="{ACB12C10-1451-6242-BF39-EC97DF1D6455}" srcOrd="0" destOrd="0" presId="urn:microsoft.com/office/officeart/2008/layout/HalfCircleOrganizationChart"/>
-    <dgm:cxn modelId="{01B5D3B4-D480-EC4A-A33A-332A32944DF3}" type="presOf" srcId="{980970A1-2E4A-314A-8A47-7E72F6016C6C}" destId="{373E168B-AF28-CA49-B619-D5964FD0FBF9}" srcOrd="0" destOrd="0" presId="urn:microsoft.com/office/officeart/2008/layout/HalfCircleOrganizationChart"/>
-    <dgm:cxn modelId="{2E4F676C-71AD-B644-91C3-CEBCC976C455}" type="presOf" srcId="{80BEE18D-0BF3-0249-A813-1A88B595367E}" destId="{CF1161EE-A995-0144-82B2-FBD655D6BD20}" srcOrd="1" destOrd="0" presId="urn:microsoft.com/office/officeart/2008/layout/HalfCircleOrganizationChart"/>
-    <dgm:cxn modelId="{82A8E308-E8F0-9F42-B663-0BB8D1CC9FD8}" type="presOf" srcId="{F3625D1C-81BF-C34E-9002-8579F69C9AD0}" destId="{B83DC978-751B-9D4D-BDB7-5C3FE93EAEB2}" srcOrd="0" destOrd="0" presId="urn:microsoft.com/office/officeart/2008/layout/HalfCircleOrganizationChart"/>
-    <dgm:cxn modelId="{E2544021-A01D-D940-852F-DD02490400BA}" type="presOf" srcId="{8DD8BA07-1EFD-004F-8F5D-9080D24ED6A4}" destId="{EA6D8479-9BF2-8F4B-9A4C-EC8AFC0EC05C}" srcOrd="0" destOrd="0" presId="urn:microsoft.com/office/officeart/2008/layout/HalfCircleOrganizationChart"/>
-    <dgm:cxn modelId="{A9116DFB-58CF-694E-AD2F-577480CEE23C}" type="presOf" srcId="{03D8EEF0-FDC2-7A4D-AC22-CE48D380970C}" destId="{405C8091-6BFC-A043-B593-663364E2A06A}" srcOrd="1" destOrd="0" presId="urn:microsoft.com/office/officeart/2008/layout/HalfCircleOrganizationChart"/>
-    <dgm:cxn modelId="{78B0AFB5-E9E8-1348-BA76-5DAAD9440DF5}" type="presOf" srcId="{CEC2D8EB-C9D3-504D-893B-82514175BC1C}" destId="{6B529003-4E48-594A-B390-9802787A22E0}" srcOrd="0" destOrd="0" presId="urn:microsoft.com/office/officeart/2008/layout/HalfCircleOrganizationChart"/>
-    <dgm:cxn modelId="{59F5DC9D-FCD4-324D-81DC-9ADC94869646}" type="presOf" srcId="{F1E393DF-4ED3-434D-BE13-BFB423DF8DC8}" destId="{56E89C1A-9B2F-F34A-83E2-C423698733D2}" srcOrd="0" destOrd="0" presId="urn:microsoft.com/office/officeart/2008/layout/HalfCircleOrganizationChart"/>
-    <dgm:cxn modelId="{CED3886E-6C9F-2F49-A74E-8E679CE15DC4}" type="presOf" srcId="{ED996D38-8E47-D344-A150-BB9209D5A08F}" destId="{3380511E-6487-294A-909F-EEE6058C7739}" srcOrd="1" destOrd="0" presId="urn:microsoft.com/office/officeart/2008/layout/HalfCircleOrganizationChart"/>
     <dgm:cxn modelId="{EF19B70F-9775-DA4E-A4B6-646E5A4FE30E}" type="presOf" srcId="{5D414B08-8DF3-994C-99B9-C4FCF3598397}" destId="{F89BCA51-514B-3047-8A9E-B4B9EF8954EE}" srcOrd="0" destOrd="0" presId="urn:microsoft.com/office/officeart/2008/layout/HalfCircleOrganizationChart"/>
+    <dgm:cxn modelId="{79A39608-A1DB-9641-911B-C966F4C10007}" type="presOf" srcId="{8DD8BA07-1EFD-004F-8F5D-9080D24ED6A4}" destId="{BC97AF87-CE5F-9A43-B4D8-C1D2149CFE0B}" srcOrd="1" destOrd="0" presId="urn:microsoft.com/office/officeart/2008/layout/HalfCircleOrganizationChart"/>
+    <dgm:cxn modelId="{5DCDDA22-4067-9649-A94E-BC1E54F92944}" type="presOf" srcId="{ED996D38-8E47-D344-A150-BB9209D5A08F}" destId="{12A45CE9-0035-4E49-893E-D63B8FBAE75D}" srcOrd="0" destOrd="0" presId="urn:microsoft.com/office/officeart/2008/layout/HalfCircleOrganizationChart"/>
     <dgm:cxn modelId="{FC0EDB6F-C900-6C4A-9CFD-E4C0B9CED48A}" srcId="{A23CC843-4DC5-EB49-B5E7-E281F079CBBA}" destId="{03D8EEF0-FDC2-7A4D-AC22-CE48D380970C}" srcOrd="0" destOrd="0" parTransId="{A11C54D1-A4C4-F244-8076-A8884DC2046D}" sibTransId="{93E34A46-FBD8-9742-B860-E3EEE6801180}"/>
     <dgm:cxn modelId="{EF8EC754-B54E-324C-A750-69645C2E51E9}" srcId="{DAF95531-31E0-4F46-AFD8-FD7391AA329E}" destId="{229E44AA-FAE2-F74C-AECE-3FA2F2E5A76A}" srcOrd="2" destOrd="0" parTransId="{81A25343-0D16-EB49-8A0C-EDCE0EE36611}" sibTransId="{4793960F-E4C8-0C49-9999-D40581ABDAFA}"/>
-    <dgm:cxn modelId="{AE764F18-7308-D24B-87A2-8099AB5FE6E5}" srcId="{80BEE18D-0BF3-0249-A813-1A88B595367E}" destId="{CF15C764-86CF-954A-B792-E100C895B104}" srcOrd="1" destOrd="0" parTransId="{CEC2D8EB-C9D3-504D-893B-82514175BC1C}" sibTransId="{3FACBF13-B34F-BC43-BFCC-893782C8D7EF}"/>
-    <dgm:cxn modelId="{10F3BA83-783C-414C-968A-497E31A9A822}" type="presOf" srcId="{A23CC843-4DC5-EB49-B5E7-E281F079CBBA}" destId="{040BB81A-B1B9-3541-B8BB-5A02606B2A57}" srcOrd="1" destOrd="0" presId="urn:microsoft.com/office/officeart/2008/layout/HalfCircleOrganizationChart"/>
+    <dgm:cxn modelId="{5E401BC8-62B9-0D42-A9A5-B037C360FFEA}" srcId="{A23CC843-4DC5-EB49-B5E7-E281F079CBBA}" destId="{80BEE18D-0BF3-0249-A813-1A88B595367E}" srcOrd="2" destOrd="0" parTransId="{F021CC2C-21F0-0E43-9C1E-1FC1D167CAB3}" sibTransId="{FD0B0741-559D-2049-A7CB-8CA50390F645}"/>
+    <dgm:cxn modelId="{43142A95-B576-F249-99AC-E4C594205AA2}" type="presOf" srcId="{C1F325FF-6D02-304E-A3A6-FB454F9AFA83}" destId="{75FF2348-A7AF-9643-9F49-43A4F74AA8FF}" srcOrd="0" destOrd="0" presId="urn:microsoft.com/office/officeart/2008/layout/HalfCircleOrganizationChart"/>
+    <dgm:cxn modelId="{82A8E308-E8F0-9F42-B663-0BB8D1CC9FD8}" type="presOf" srcId="{F3625D1C-81BF-C34E-9002-8579F69C9AD0}" destId="{B83DC978-751B-9D4D-BDB7-5C3FE93EAEB2}" srcOrd="0" destOrd="0" presId="urn:microsoft.com/office/officeart/2008/layout/HalfCircleOrganizationChart"/>
     <dgm:cxn modelId="{CC0A9B00-BF72-0E42-BDAC-88AF328C1341}" srcId="{80BEE18D-0BF3-0249-A813-1A88B595367E}" destId="{8DD8BA07-1EFD-004F-8F5D-9080D24ED6A4}" srcOrd="2" destOrd="0" parTransId="{8F1547D2-8721-8E48-AB2A-ACB9E02FA8F9}" sibTransId="{D1A3EA43-70CD-FC41-9578-70706989BEE9}"/>
-    <dgm:cxn modelId="{32F61A67-3C1F-1C42-B0A7-C0FF4ABDD769}" type="presOf" srcId="{01FA8B12-D776-D247-9A4C-3685483BE2E9}" destId="{0E82D2DD-3A69-CF44-8583-0B5FFFA87ECC}" srcOrd="1" destOrd="0" presId="urn:microsoft.com/office/officeart/2008/layout/HalfCircleOrganizationChart"/>
-    <dgm:cxn modelId="{43142A95-B576-F249-99AC-E4C594205AA2}" type="presOf" srcId="{C1F325FF-6D02-304E-A3A6-FB454F9AFA83}" destId="{75FF2348-A7AF-9643-9F49-43A4F74AA8FF}" srcOrd="0" destOrd="0" presId="urn:microsoft.com/office/officeart/2008/layout/HalfCircleOrganizationChart"/>
+    <dgm:cxn modelId="{31B41A7A-6419-3340-958D-E6115EAA03CB}" type="presOf" srcId="{4A836C4A-8899-4A47-AF90-080720415EDB}" destId="{B9E59679-DA51-A241-8926-E82C8C6ED55D}" srcOrd="0" destOrd="0" presId="urn:microsoft.com/office/officeart/2008/layout/HalfCircleOrganizationChart"/>
     <dgm:cxn modelId="{8A2CCCB3-6E72-FE44-886A-DD915B3D8D1D}" srcId="{A23CC843-4DC5-EB49-B5E7-E281F079CBBA}" destId="{DAF95531-31E0-4F46-AFD8-FD7391AA329E}" srcOrd="3" destOrd="0" parTransId="{980FE5C4-6DF4-444A-9392-7BFAD10776C2}" sibTransId="{27231EE6-9894-7E4B-8749-B7DFE5025887}"/>
+    <dgm:cxn modelId="{808CC206-BD9A-5546-9A24-BF31F9461E2C}" type="presOf" srcId="{980FE5C4-6DF4-444A-9392-7BFAD10776C2}" destId="{BDA3D683-1EC3-C642-8FC5-5446DC703ADC}" srcOrd="0" destOrd="0" presId="urn:microsoft.com/office/officeart/2008/layout/HalfCircleOrganizationChart"/>
+    <dgm:cxn modelId="{4FF09E6E-86A1-0341-8440-4E005409C021}" type="presOf" srcId="{C1F325FF-6D02-304E-A3A6-FB454F9AFA83}" destId="{8FB68D55-26C8-834F-BA10-3368184B10C7}" srcOrd="1" destOrd="0" presId="urn:microsoft.com/office/officeart/2008/layout/HalfCircleOrganizationChart"/>
+    <dgm:cxn modelId="{86039695-DAAA-954D-9245-5540C6A35317}" srcId="{80BEE18D-0BF3-0249-A813-1A88B595367E}" destId="{ED996D38-8E47-D344-A150-BB9209D5A08F}" srcOrd="0" destOrd="0" parTransId="{8838C3C2-63B8-0B4C-B071-CFD21D0FDF24}" sibTransId="{149EFB75-15CD-6041-B315-A4C2737BE9AD}"/>
+    <dgm:cxn modelId="{D1FD49AE-A83A-4A40-BED8-9A53F381D2B2}" type="presOf" srcId="{DAF95531-31E0-4F46-AFD8-FD7391AA329E}" destId="{364A671A-4760-884C-B6BA-7920D22C39CC}" srcOrd="0" destOrd="0" presId="urn:microsoft.com/office/officeart/2008/layout/HalfCircleOrganizationChart"/>
     <dgm:cxn modelId="{A693050B-A434-D94C-A0D8-A1AE57295791}" type="presOf" srcId="{81A25343-0D16-EB49-8A0C-EDCE0EE36611}" destId="{88AEAA63-2E67-8747-B58C-A2B11F71246B}" srcOrd="0" destOrd="0" presId="urn:microsoft.com/office/officeart/2008/layout/HalfCircleOrganizationChart"/>
-    <dgm:cxn modelId="{8DD51F29-DA95-4F43-BD1A-AEEB446C469C}" type="presOf" srcId="{980970A1-2E4A-314A-8A47-7E72F6016C6C}" destId="{43740663-79E2-E641-8936-62797E850819}" srcOrd="1" destOrd="0" presId="urn:microsoft.com/office/officeart/2008/layout/HalfCircleOrganizationChart"/>
-    <dgm:cxn modelId="{5E401BC8-62B9-0D42-A9A5-B037C360FFEA}" srcId="{A23CC843-4DC5-EB49-B5E7-E281F079CBBA}" destId="{80BEE18D-0BF3-0249-A813-1A88B595367E}" srcOrd="2" destOrd="0" parTransId="{F021CC2C-21F0-0E43-9C1E-1FC1D167CAB3}" sibTransId="{FD0B0741-559D-2049-A7CB-8CA50390F645}"/>
-    <dgm:cxn modelId="{86039695-DAAA-954D-9245-5540C6A35317}" srcId="{80BEE18D-0BF3-0249-A813-1A88B595367E}" destId="{ED996D38-8E47-D344-A150-BB9209D5A08F}" srcOrd="0" destOrd="0" parTransId="{8838C3C2-63B8-0B4C-B071-CFD21D0FDF24}" sibTransId="{149EFB75-15CD-6041-B315-A4C2737BE9AD}"/>
-    <dgm:cxn modelId="{A305A747-0394-C347-85ED-234B43319D85}" type="presOf" srcId="{CF15C764-86CF-954A-B792-E100C895B104}" destId="{2365D8DB-A15E-CD42-812C-2AC21D20034B}" srcOrd="1" destOrd="0" presId="urn:microsoft.com/office/officeart/2008/layout/HalfCircleOrganizationChart"/>
-    <dgm:cxn modelId="{5D05DE81-44F9-3A40-A134-3C059F78C884}" type="presOf" srcId="{229E44AA-FAE2-F74C-AECE-3FA2F2E5A76A}" destId="{C564B301-2FA0-344E-8B72-DFCC51D4BE93}" srcOrd="1" destOrd="0" presId="urn:microsoft.com/office/officeart/2008/layout/HalfCircleOrganizationChart"/>
-    <dgm:cxn modelId="{A79B299A-5492-0845-B885-998DB6177B23}" type="presOf" srcId="{6D6E80E8-97B2-9B4A-8D62-5D9D47B3C032}" destId="{4EA206C2-85AA-374E-A8DF-274974CB02D4}" srcOrd="0" destOrd="0" presId="urn:microsoft.com/office/officeart/2008/layout/HalfCircleOrganizationChart"/>
-    <dgm:cxn modelId="{31B41A7A-6419-3340-958D-E6115EAA03CB}" type="presOf" srcId="{4A836C4A-8899-4A47-AF90-080720415EDB}" destId="{B9E59679-DA51-A241-8926-E82C8C6ED55D}" srcOrd="0" destOrd="0" presId="urn:microsoft.com/office/officeart/2008/layout/HalfCircleOrganizationChart"/>
-    <dgm:cxn modelId="{EAE89B01-62F1-E249-AE9A-A261DB1630AE}" srcId="{DAF95531-31E0-4F46-AFD8-FD7391AA329E}" destId="{C1F325FF-6D02-304E-A3A6-FB454F9AFA83}" srcOrd="1" destOrd="0" parTransId="{6D6E80E8-97B2-9B4A-8D62-5D9D47B3C032}" sibTransId="{813DABBD-2D54-1649-BD8C-BB54F5315551}"/>
-    <dgm:cxn modelId="{950C0C45-5247-BD49-AACD-0D00AA24127C}" type="presOf" srcId="{80BEE18D-0BF3-0249-A813-1A88B595367E}" destId="{87234544-84DB-D840-B97F-8FB4ABCE1FA5}" srcOrd="0" destOrd="0" presId="urn:microsoft.com/office/officeart/2008/layout/HalfCircleOrganizationChart"/>
-    <dgm:cxn modelId="{6A4BB000-177E-D041-BD54-765DF4B6ECC4}" type="presOf" srcId="{B072A879-7CFE-7C42-BAA6-2BD5A155CDEB}" destId="{E8E5FCBD-0EA2-AE44-B768-F4340BB0BDFD}" srcOrd="0" destOrd="0" presId="urn:microsoft.com/office/officeart/2008/layout/HalfCircleOrganizationChart"/>
-    <dgm:cxn modelId="{32E71FA3-0A1D-014C-A152-4F029D07FE21}" type="presOf" srcId="{F3625D1C-81BF-C34E-9002-8579F69C9AD0}" destId="{F3706713-C22C-1D42-973D-AD83B76F28F5}" srcOrd="1" destOrd="0" presId="urn:microsoft.com/office/officeart/2008/layout/HalfCircleOrganizationChart"/>
-    <dgm:cxn modelId="{81005C2A-C9DA-0446-B134-F25A0AB9AED8}" type="presOf" srcId="{A11C54D1-A4C4-F244-8076-A8884DC2046D}" destId="{98E4504C-E46A-1A47-9E1A-B293E2200592}" srcOrd="0" destOrd="0" presId="urn:microsoft.com/office/officeart/2008/layout/HalfCircleOrganizationChart"/>
-    <dgm:cxn modelId="{79A39608-A1DB-9641-911B-C966F4C10007}" type="presOf" srcId="{8DD8BA07-1EFD-004F-8F5D-9080D24ED6A4}" destId="{BC97AF87-CE5F-9A43-B4D8-C1D2149CFE0B}" srcOrd="1" destOrd="0" presId="urn:microsoft.com/office/officeart/2008/layout/HalfCircleOrganizationChart"/>
-    <dgm:cxn modelId="{7A950111-0019-5F49-816B-920AF4E5776F}" type="presOf" srcId="{0FE1BA19-FA2C-FA45-8E0C-9808B76D2E16}" destId="{22E17BBC-6DCC-6748-A794-925DE59E9024}" srcOrd="0" destOrd="0" presId="urn:microsoft.com/office/officeart/2008/layout/HalfCircleOrganizationChart"/>
-    <dgm:cxn modelId="{808CC206-BD9A-5546-9A24-BF31F9461E2C}" type="presOf" srcId="{980FE5C4-6DF4-444A-9392-7BFAD10776C2}" destId="{BDA3D683-1EC3-C642-8FC5-5446DC703ADC}" srcOrd="0" destOrd="0" presId="urn:microsoft.com/office/officeart/2008/layout/HalfCircleOrganizationChart"/>
-    <dgm:cxn modelId="{97A87FDC-E7A7-0C4A-A6D7-5BC3D09DB3AF}" srcId="{A23CC843-4DC5-EB49-B5E7-E281F079CBBA}" destId="{01FA8B12-D776-D247-9A4C-3685483BE2E9}" srcOrd="4" destOrd="0" parTransId="{0DFA7789-85DB-5C4C-ADD5-122651580154}" sibTransId="{1449C741-33FA-1F47-965C-C62983CEDF58}"/>
-    <dgm:cxn modelId="{EAF6E49C-C32B-3643-A2CC-9F010E46B945}" type="presOf" srcId="{4A836C4A-8899-4A47-AF90-080720415EDB}" destId="{D4390C3E-DB06-9646-B9AE-2A7A99093D03}" srcOrd="1" destOrd="0" presId="urn:microsoft.com/office/officeart/2008/layout/HalfCircleOrganizationChart"/>
-    <dgm:cxn modelId="{5DCDDA22-4067-9649-A94E-BC1E54F92944}" type="presOf" srcId="{ED996D38-8E47-D344-A150-BB9209D5A08F}" destId="{12A45CE9-0035-4E49-893E-D63B8FBAE75D}" srcOrd="0" destOrd="0" presId="urn:microsoft.com/office/officeart/2008/layout/HalfCircleOrganizationChart"/>
-    <dgm:cxn modelId="{56A59D1E-6645-844F-BD3E-7FF02BF2FE84}" type="presOf" srcId="{A23CC843-4DC5-EB49-B5E7-E281F079CBBA}" destId="{101B0C7C-62CC-5A41-BCA9-E2DCFD3D4879}" srcOrd="0" destOrd="0" presId="urn:microsoft.com/office/officeart/2008/layout/HalfCircleOrganizationChart"/>
-    <dgm:cxn modelId="{DC8A2D3F-41F6-6640-AB18-1A0A5DFD5069}" type="presOf" srcId="{CF15C764-86CF-954A-B792-E100C895B104}" destId="{4F9C6826-99D1-3C42-B298-9F8F09731B03}" srcOrd="0" destOrd="0" presId="urn:microsoft.com/office/officeart/2008/layout/HalfCircleOrganizationChart"/>
-    <dgm:cxn modelId="{4FF09E6E-86A1-0341-8440-4E005409C021}" type="presOf" srcId="{C1F325FF-6D02-304E-A3A6-FB454F9AFA83}" destId="{8FB68D55-26C8-834F-BA10-3368184B10C7}" srcOrd="1" destOrd="0" presId="urn:microsoft.com/office/officeart/2008/layout/HalfCircleOrganizationChart"/>
-    <dgm:cxn modelId="{CBC86E32-1CE9-0541-AA97-0025F4369B11}" srcId="{5D414B08-8DF3-994C-99B9-C4FCF3598397}" destId="{A23CC843-4DC5-EB49-B5E7-E281F079CBBA}" srcOrd="0" destOrd="0" parTransId="{E93B3258-AD4F-CA43-B126-B79642DE2FCF}" sibTransId="{9160C882-5463-B04B-8A3E-E929A3D533DE}"/>
+    <dgm:cxn modelId="{CC3328C7-DD1D-374B-BF37-AB81B5B26CB4}" type="presOf" srcId="{DAF95531-31E0-4F46-AFD8-FD7391AA329E}" destId="{86E80B09-5A9A-F24C-B32B-40144D117754}" srcOrd="1" destOrd="0" presId="urn:microsoft.com/office/officeart/2008/layout/HalfCircleOrganizationChart"/>
+    <dgm:cxn modelId="{61611B71-B60F-964B-B740-8888344D23AC}" type="presOf" srcId="{229E44AA-FAE2-F74C-AECE-3FA2F2E5A76A}" destId="{E260A47B-B1A4-0744-86CE-591DB15F2E61}" srcOrd="0" destOrd="0" presId="urn:microsoft.com/office/officeart/2008/layout/HalfCircleOrganizationChart"/>
     <dgm:cxn modelId="{18ADAEA3-0BC6-2548-BE39-6023ECE2860C}" type="presParOf" srcId="{F89BCA51-514B-3047-8A9E-B4B9EF8954EE}" destId="{312DDFC9-2D67-1940-B5FF-EC83B930C27C}" srcOrd="0" destOrd="0" presId="urn:microsoft.com/office/officeart/2008/layout/HalfCircleOrganizationChart"/>
     <dgm:cxn modelId="{4D4390BA-F870-4E46-BAB5-A7F9B6BE2A02}" type="presParOf" srcId="{312DDFC9-2D67-1940-B5FF-EC83B930C27C}" destId="{95C38220-04B2-AA4D-8D96-2762FF7C17D2}" srcOrd="0" destOrd="0" presId="urn:microsoft.com/office/officeart/2008/layout/HalfCircleOrganizationChart"/>
     <dgm:cxn modelId="{54F87B86-2C9D-DC45-9787-16957C83CAAD}" type="presParOf" srcId="{95C38220-04B2-AA4D-8D96-2762FF7C17D2}" destId="{101B0C7C-62CC-5A41-BCA9-E2DCFD3D4879}" srcOrd="0" destOrd="0" presId="urn:microsoft.com/office/officeart/2008/layout/HalfCircleOrganizationChart"/>
@@ -3430,6 +3514,13 @@
         </dgm:presLayoutVars>
       </dgm:prSet>
       <dgm:spPr/>
+      <dgm:t>
+        <a:bodyPr/>
+        <a:lstStyle/>
+        <a:p>
+          <a:endParaRPr lang="en-US"/>
+        </a:p>
+      </dgm:t>
     </dgm:pt>
     <dgm:pt modelId="{303E414F-A0E8-1046-B3C9-05973522E3A5}" type="pres">
       <dgm:prSet presAssocID="{06E1871F-2F0A-9748-8B8C-D75D8685DA54}" presName="arrow" presStyleLbl="node1" presStyleIdx="0" presStyleCnt="2">
@@ -3438,6 +3529,13 @@
         </dgm:presLayoutVars>
       </dgm:prSet>
       <dgm:spPr/>
+      <dgm:t>
+        <a:bodyPr/>
+        <a:lstStyle/>
+        <a:p>
+          <a:endParaRPr lang="en-US"/>
+        </a:p>
+      </dgm:t>
     </dgm:pt>
     <dgm:pt modelId="{27984479-AC6D-E044-9051-0A84B8777EA9}" type="pres">
       <dgm:prSet presAssocID="{0925E0B7-4AD9-114B-A6E9-03FB677AAF32}" presName="arrow" presStyleLbl="node1" presStyleIdx="1" presStyleCnt="2">
@@ -13208,11 +13306,7 @@
             <a:pPr algn="ctr"/>
             <a:r>
               <a:rPr lang="en-US" sz="4000" dirty="0" smtClean="0"/>
-              <a:t>Session </a:t>
-            </a:r>
-            <a:r>
-              <a:rPr lang="en-US" sz="4000" dirty="0" smtClean="0"/>
-              <a:t>3</a:t>
+              <a:t>Session 3</a:t>
             </a:r>
             <a:endParaRPr lang="en-US" sz="4000" dirty="0"/>
           </a:p>
@@ -13360,8 +13454,25 @@
           <a:p>
             <a:r>
               <a:rPr lang="en-US" dirty="0" smtClean="0"/>
-              <a:t>Esraa Dandash 19/11/2018</a:t>
+              <a:t>Esraa </a:t>
             </a:r>
+            <a:r>
+              <a:rPr lang="en-US" dirty="0" err="1" smtClean="0"/>
+              <a:t>Dandash</a:t>
+            </a:r>
+            <a:r>
+              <a:rPr lang="en-US" dirty="0" smtClean="0"/>
+              <a:t> </a:t>
+            </a:r>
+            <a:r>
+              <a:rPr lang="en-US" dirty="0" smtClean="0"/>
+              <a:t>26</a:t>
+            </a:r>
+            <a:r>
+              <a:rPr lang="en-US" dirty="0" smtClean="0"/>
+              <a:t>/11/2018</a:t>
+            </a:r>
+            <a:endParaRPr lang="en-US" dirty="0" smtClean="0"/>
           </a:p>
           <a:p>
             <a:r>
@@ -13500,11 +13611,7 @@
             <a:pPr algn="ctr"/>
             <a:r>
               <a:rPr lang="en-US" sz="4000" dirty="0" smtClean="0"/>
-              <a:t>Further </a:t>
-            </a:r>
-            <a:r>
-              <a:rPr lang="en-US" sz="4000" dirty="0" smtClean="0"/>
-              <a:t>CSS</a:t>
+              <a:t>Further CSS</a:t>
             </a:r>
             <a:endParaRPr lang="en-US" sz="4000" dirty="0"/>
           </a:p>
@@ -13565,15 +13672,7 @@
             </a:pPr>
             <a:r>
               <a:rPr lang="en-US" sz="2400" dirty="0" smtClean="0"/>
-              <a:t>Download Session </a:t>
-            </a:r>
-            <a:r>
-              <a:rPr lang="en-US" sz="2400" dirty="0" smtClean="0"/>
-              <a:t>3 </a:t>
-            </a:r>
-            <a:r>
-              <a:rPr lang="en-US" sz="2400" dirty="0" smtClean="0"/>
-              <a:t>and you can check the resources in the recourses menu for second session.</a:t>
+              <a:t>Download Session 3 and you can check the resources in the recourses menu for second session.</a:t>
             </a:r>
           </a:p>
           <a:p>
@@ -13591,27 +13690,7 @@
             </a:r>
             <a:r>
               <a:rPr lang="en-US" sz="2400" dirty="0" smtClean="0"/>
-              <a:t> </a:t>
-            </a:r>
-            <a:r>
-              <a:rPr lang="en-US" sz="2400" dirty="0" smtClean="0"/>
-              <a:t>from Heroic Folder in </a:t>
-            </a:r>
-            <a:r>
-              <a:rPr lang="en-US" sz="2400" dirty="0" smtClean="0"/>
-              <a:t>your </a:t>
-            </a:r>
-            <a:r>
-              <a:rPr lang="en-US" sz="2400" dirty="0" smtClean="0"/>
-              <a:t>browser(Exercise </a:t>
-            </a:r>
-            <a:r>
-              <a:rPr lang="en-US" sz="2400" dirty="0" smtClean="0"/>
-              <a:t>2</a:t>
-            </a:r>
-            <a:r>
-              <a:rPr lang="en-US" sz="2400" dirty="0" smtClean="0"/>
-              <a:t>)</a:t>
+              <a:t> from Heroic Folder in your browser(Exercise 2)</a:t>
             </a:r>
           </a:p>
           <a:p>
@@ -13655,7 +13734,6 @@
               <a:rPr lang="en-US" sz="2400" dirty="0" smtClean="0"/>
               <a:t>I would absolutely love seeing different pages, just stick to the template and linking of your Classes and IDs.</a:t>
             </a:r>
-            <a:endParaRPr lang="en-US" sz="2400" dirty="0" smtClean="0"/>
           </a:p>
           <a:p>
             <a:pPr marL="457200" lvl="0" indent="-457200" defTabSz="914400">
@@ -13674,7 +13752,6 @@
               <a:rPr lang="en-US" sz="2400" dirty="0" smtClean="0"/>
               <a:t> Selectors to style them.</a:t>
             </a:r>
-            <a:endParaRPr lang="en-US" sz="2400" dirty="0" smtClean="0"/>
           </a:p>
         </p:txBody>
       </p:sp>
@@ -13830,25 +13907,8 @@
                 <a:effectLst/>
                 <a:latin typeface="Verdana" charset="0"/>
               </a:rPr>
-              <a:t> language that describes the style of an HTML document</a:t>
+              <a:t> language that describes the style of an HTML document.</a:t>
             </a:r>
-            <a:r>
-              <a:rPr lang="en-US" sz="2000" b="0" i="0" u="none" strike="noStrike" dirty="0" smtClean="0">
-                <a:solidFill>
-                  <a:schemeClr val="bg1"/>
-                </a:solidFill>
-                <a:effectLst/>
-                <a:latin typeface="Verdana" charset="0"/>
-              </a:rPr>
-              <a:t>.</a:t>
-            </a:r>
-            <a:endParaRPr lang="en-US" sz="2000" b="0" i="0" u="none" strike="noStrike" dirty="0" smtClean="0">
-              <a:solidFill>
-                <a:schemeClr val="bg1"/>
-              </a:solidFill>
-              <a:effectLst/>
-              <a:latin typeface="Verdana" charset="0"/>
-            </a:endParaRPr>
           </a:p>
           <a:p>
             <a:pPr algn="ctr"/>
@@ -14429,23 +14489,28 @@
           <a:p>
             <a:pPr algn="ctr"/>
             <a:r>
-              <a:rPr lang="en-US" sz="3600" dirty="0" err="1" smtClean="0"/>
-              <a:t>HackCity</a:t>
+              <a:rPr lang="en-US" sz="3600" dirty="0" smtClean="0"/>
+              <a:t>Local Hack Day @City is </a:t>
             </a:r>
             <a:r>
               <a:rPr lang="en-US" sz="3600" dirty="0" smtClean="0"/>
-              <a:t> is happening on Saturday ! *Free Pizzas Guaranteed*</a:t>
+              <a:t>happening on Saturday ! *</a:t>
             </a:r>
+            <a:r>
+              <a:rPr lang="en-US" sz="3600" smtClean="0"/>
+              <a:t>Free </a:t>
+            </a:r>
+            <a:r>
+              <a:rPr lang="en-US" sz="3600" smtClean="0"/>
+              <a:t>Pizzas*</a:t>
+            </a:r>
+            <a:endParaRPr lang="en-US" sz="3600" dirty="0" smtClean="0"/>
           </a:p>
           <a:p>
             <a:pPr algn="ctr"/>
             <a:r>
               <a:rPr lang="en-US" sz="3600" dirty="0" smtClean="0"/>
-              <a:t>See </a:t>
-            </a:r>
-            <a:r>
-              <a:rPr lang="en-US" sz="3600" dirty="0" smtClean="0"/>
-              <a:t>you next Monday 💻💥</a:t>
+              <a:t>See you next Monday 💻💥</a:t>
             </a:r>
             <a:endParaRPr lang="en-US" sz="3600" dirty="0"/>
           </a:p>
